--- a/How to Study the Bible.pptx
+++ b/How to Study the Bible.pptx
@@ -6,10 +6,10 @@
     <p:sldMasterId id="2147483970" r:id="rId2"/>
   </p:sldMasterIdLst>
   <p:notesMasterIdLst>
-    <p:notesMasterId r:id="rId21"/>
+    <p:notesMasterId r:id="rId25"/>
   </p:notesMasterIdLst>
   <p:handoutMasterIdLst>
-    <p:handoutMasterId r:id="rId22"/>
+    <p:handoutMasterId r:id="rId26"/>
   </p:handoutMasterIdLst>
   <p:sldIdLst>
     <p:sldId id="2113416831" r:id="rId3"/>
@@ -19,17 +19,21 @@
     <p:sldId id="2113416855" r:id="rId7"/>
     <p:sldId id="2113416856" r:id="rId8"/>
     <p:sldId id="2113416857" r:id="rId9"/>
-    <p:sldId id="2113416858" r:id="rId10"/>
-    <p:sldId id="2113416859" r:id="rId11"/>
-    <p:sldId id="2113416861" r:id="rId12"/>
-    <p:sldId id="2113416860" r:id="rId13"/>
-    <p:sldId id="2113416862" r:id="rId14"/>
-    <p:sldId id="2113416863" r:id="rId15"/>
-    <p:sldId id="2113416864" r:id="rId16"/>
-    <p:sldId id="2113416865" r:id="rId17"/>
-    <p:sldId id="2113416866" r:id="rId18"/>
-    <p:sldId id="2113416867" r:id="rId19"/>
-    <p:sldId id="2113416854" r:id="rId20"/>
+    <p:sldId id="2113416870" r:id="rId10"/>
+    <p:sldId id="2113416858" r:id="rId11"/>
+    <p:sldId id="2113416859" r:id="rId12"/>
+    <p:sldId id="2113416861" r:id="rId13"/>
+    <p:sldId id="2113416860" r:id="rId14"/>
+    <p:sldId id="2113416862" r:id="rId15"/>
+    <p:sldId id="2113416863" r:id="rId16"/>
+    <p:sldId id="2113416864" r:id="rId17"/>
+    <p:sldId id="2113416869" r:id="rId18"/>
+    <p:sldId id="2113416865" r:id="rId19"/>
+    <p:sldId id="2113416866" r:id="rId20"/>
+    <p:sldId id="2113416871" r:id="rId21"/>
+    <p:sldId id="2113416867" r:id="rId22"/>
+    <p:sldId id="2113416872" r:id="rId23"/>
+    <p:sldId id="2113416854" r:id="rId24"/>
   </p:sldIdLst>
   <p:sldSz cx="12192000" cy="6858000"/>
   <p:notesSz cx="7315200" cy="9601200"/>
@@ -170,6 +174,7 @@
             <p14:sldId id="2113416855"/>
             <p14:sldId id="2113416856"/>
             <p14:sldId id="2113416857"/>
+            <p14:sldId id="2113416870"/>
             <p14:sldId id="2113416858"/>
             <p14:sldId id="2113416859"/>
             <p14:sldId id="2113416861"/>
@@ -177,9 +182,12 @@
             <p14:sldId id="2113416862"/>
             <p14:sldId id="2113416863"/>
             <p14:sldId id="2113416864"/>
+            <p14:sldId id="2113416869"/>
             <p14:sldId id="2113416865"/>
             <p14:sldId id="2113416866"/>
+            <p14:sldId id="2113416871"/>
             <p14:sldId id="2113416867"/>
+            <p14:sldId id="2113416872"/>
             <p14:sldId id="2113416854"/>
           </p14:sldIdLst>
         </p14:section>
@@ -227,7 +235,7 @@
 <p1510:revInfo xmlns:a="http://schemas.openxmlformats.org/drawingml/2006/main" xmlns:r="http://schemas.openxmlformats.org/officeDocument/2006/relationships" xmlns:p1510="http://schemas.microsoft.com/office/powerpoint/2015/10/main">
   <p1510:revLst>
     <p1510:client id="{15991291-7D3D-4CFF-A074-7327D971A1EF}" v="17" dt="2025-11-14T19:27:13.044"/>
-    <p1510:client id="{DEAFAFC9-906D-43BB-891F-B0893802280C}" v="3364" dt="2025-11-15T17:36:06.723"/>
+    <p1510:client id="{DEAFAFC9-906D-43BB-891F-B0893802280C}" v="5050" dt="2025-11-15T18:25:48.233"/>
   </p1510:revLst>
 </p1510:revInfo>
 </file>
@@ -236,19 +244,27 @@
 <pc:chgInfo xmlns:a="http://schemas.openxmlformats.org/drawingml/2006/main" xmlns:r="http://schemas.openxmlformats.org/officeDocument/2006/relationships" xmlns:ac="http://schemas.microsoft.com/office/drawing/2013/main/command" xmlns:pc="http://schemas.microsoft.com/office/powerpoint/2013/main/command">
   <pc:docChgLst>
     <pc:chgData name="Justin Henderson" userId="81207418e03c3f7a" providerId="LiveId" clId="{64834AE3-9290-469E-9C0C-F4F876EFC8D1}"/>
-    <pc:docChg chg="undo custSel addSld modSld sldOrd modSection">
-      <pc:chgData name="Justin Henderson" userId="81207418e03c3f7a" providerId="LiveId" clId="{64834AE3-9290-469E-9C0C-F4F876EFC8D1}" dt="2025-11-15T17:36:06.723" v="3372" actId="20577"/>
+    <pc:docChg chg="undo redo custSel addSld modSld sldOrd modSection">
+      <pc:chgData name="Justin Henderson" userId="81207418e03c3f7a" providerId="LiveId" clId="{64834AE3-9290-469E-9C0C-F4F876EFC8D1}" dt="2025-11-15T18:25:48.234" v="5056"/>
       <pc:docMkLst>
         <pc:docMk/>
       </pc:docMkLst>
-      <pc:sldChg chg="delSp modSp mod">
-        <pc:chgData name="Justin Henderson" userId="81207418e03c3f7a" providerId="LiveId" clId="{64834AE3-9290-469E-9C0C-F4F876EFC8D1}" dt="2025-11-15T17:36:06.723" v="3372" actId="20577"/>
+      <pc:sldChg chg="addSp delSp modSp mod">
+        <pc:chgData name="Justin Henderson" userId="81207418e03c3f7a" providerId="LiveId" clId="{64834AE3-9290-469E-9C0C-F4F876EFC8D1}" dt="2025-11-15T17:46:54.048" v="3408" actId="1076"/>
         <pc:sldMkLst>
           <pc:docMk/>
           <pc:sldMk cId="1483439235" sldId="2113416854"/>
         </pc:sldMkLst>
+        <pc:spChg chg="add mod">
+          <ac:chgData name="Justin Henderson" userId="81207418e03c3f7a" providerId="LiveId" clId="{64834AE3-9290-469E-9C0C-F4F876EFC8D1}" dt="2025-11-15T17:46:54.048" v="3408" actId="1076"/>
+          <ac:spMkLst>
+            <pc:docMk/>
+            <pc:sldMk cId="1483439235" sldId="2113416854"/>
+            <ac:spMk id="4" creationId="{7DBBE458-2143-986A-C52F-F041B218400C}"/>
+          </ac:spMkLst>
+        </pc:spChg>
         <pc:spChg chg="mod">
-          <ac:chgData name="Justin Henderson" userId="81207418e03c3f7a" providerId="LiveId" clId="{64834AE3-9290-469E-9C0C-F4F876EFC8D1}" dt="2025-11-15T17:36:06.723" v="3372" actId="20577"/>
+          <ac:chgData name="Justin Henderson" userId="81207418e03c3f7a" providerId="LiveId" clId="{64834AE3-9290-469E-9C0C-F4F876EFC8D1}" dt="2025-11-15T17:46:20.556" v="3381" actId="20577"/>
           <ac:spMkLst>
             <pc:docMk/>
             <pc:sldMk cId="1483439235" sldId="2113416854"/>
@@ -271,6 +287,22 @@
             <ac:picMk id="1026" creationId="{B84B011F-EDF8-E686-B8CB-109D2A4F27FC}"/>
           </ac:picMkLst>
         </pc:picChg>
+        <pc:picChg chg="add mod">
+          <ac:chgData name="Justin Henderson" userId="81207418e03c3f7a" providerId="LiveId" clId="{64834AE3-9290-469E-9C0C-F4F876EFC8D1}" dt="2025-11-15T17:46:13.633" v="3377" actId="1076"/>
+          <ac:picMkLst>
+            <pc:docMk/>
+            <pc:sldMk cId="1483439235" sldId="2113416854"/>
+            <ac:picMk id="2050" creationId="{050BB57C-81BB-FA53-C403-3DD43BEACAB7}"/>
+          </ac:picMkLst>
+        </pc:picChg>
+        <pc:cxnChg chg="add mod">
+          <ac:chgData name="Justin Henderson" userId="81207418e03c3f7a" providerId="LiveId" clId="{64834AE3-9290-469E-9C0C-F4F876EFC8D1}" dt="2025-11-15T17:46:36.625" v="3385" actId="1582"/>
+          <ac:cxnSpMkLst>
+            <pc:docMk/>
+            <pc:sldMk cId="1483439235" sldId="2113416854"/>
+            <ac:cxnSpMk id="3" creationId="{065B16B2-A64B-7202-23F9-3D625415939C}"/>
+          </ac:cxnSpMkLst>
+        </pc:cxnChg>
         <pc:cxnChg chg="del">
           <ac:chgData name="Justin Henderson" userId="81207418e03c3f7a" providerId="LiveId" clId="{64834AE3-9290-469E-9C0C-F4F876EFC8D1}" dt="2025-11-15T17:33:31.809" v="3203" actId="478"/>
           <ac:cxnSpMkLst>
@@ -710,8 +742,8 @@
           </ac:spMkLst>
         </pc:spChg>
       </pc:sldChg>
-      <pc:sldChg chg="addSp delSp modSp new mod modClrScheme chgLayout">
-        <pc:chgData name="Justin Henderson" userId="81207418e03c3f7a" providerId="LiveId" clId="{64834AE3-9290-469E-9C0C-F4F876EFC8D1}" dt="2025-11-15T17:26:45.387" v="3199" actId="113"/>
+      <pc:sldChg chg="addSp delSp modSp new mod ord modClrScheme chgLayout">
+        <pc:chgData name="Justin Henderson" userId="81207418e03c3f7a" providerId="LiveId" clId="{64834AE3-9290-469E-9C0C-F4F876EFC8D1}" dt="2025-11-15T18:25:48.234" v="5056"/>
         <pc:sldMkLst>
           <pc:docMk/>
           <pc:sldMk cId="525087352" sldId="2113416867"/>
@@ -801,6 +833,234 @@
             <pc:docMk/>
             <pc:sldMk cId="1502175077" sldId="2113416868"/>
             <ac:spMk id="6" creationId="{D9DA016C-0745-D1BE-91C9-AE06549170B9}"/>
+          </ac:spMkLst>
+        </pc:spChg>
+      </pc:sldChg>
+      <pc:sldChg chg="addSp delSp modSp new mod modClrScheme chgLayout">
+        <pc:chgData name="Justin Henderson" userId="81207418e03c3f7a" providerId="LiveId" clId="{64834AE3-9290-469E-9C0C-F4F876EFC8D1}" dt="2025-11-15T17:59:36.807" v="3818" actId="20577"/>
+        <pc:sldMkLst>
+          <pc:docMk/>
+          <pc:sldMk cId="1341383439" sldId="2113416869"/>
+        </pc:sldMkLst>
+        <pc:spChg chg="del mod ord">
+          <ac:chgData name="Justin Henderson" userId="81207418e03c3f7a" providerId="LiveId" clId="{64834AE3-9290-469E-9C0C-F4F876EFC8D1}" dt="2025-11-15T17:50:58.248" v="3410" actId="700"/>
+          <ac:spMkLst>
+            <pc:docMk/>
+            <pc:sldMk cId="1341383439" sldId="2113416869"/>
+            <ac:spMk id="2" creationId="{D2149C71-A9CC-27D5-D6C3-14C41E25A95B}"/>
+          </ac:spMkLst>
+        </pc:spChg>
+        <pc:spChg chg="del mod ord">
+          <ac:chgData name="Justin Henderson" userId="81207418e03c3f7a" providerId="LiveId" clId="{64834AE3-9290-469E-9C0C-F4F876EFC8D1}" dt="2025-11-15T17:50:58.248" v="3410" actId="700"/>
+          <ac:spMkLst>
+            <pc:docMk/>
+            <pc:sldMk cId="1341383439" sldId="2113416869"/>
+            <ac:spMk id="3" creationId="{428B464E-1FFB-0DB8-8A4D-45BC569EDFE6}"/>
+          </ac:spMkLst>
+        </pc:spChg>
+        <pc:spChg chg="del">
+          <ac:chgData name="Justin Henderson" userId="81207418e03c3f7a" providerId="LiveId" clId="{64834AE3-9290-469E-9C0C-F4F876EFC8D1}" dt="2025-11-15T17:50:58.248" v="3410" actId="700"/>
+          <ac:spMkLst>
+            <pc:docMk/>
+            <pc:sldMk cId="1341383439" sldId="2113416869"/>
+            <ac:spMk id="4" creationId="{1930AABD-CFAE-7D2F-E82F-CC9D321B4307}"/>
+          </ac:spMkLst>
+        </pc:spChg>
+        <pc:spChg chg="add mod ord">
+          <ac:chgData name="Justin Henderson" userId="81207418e03c3f7a" providerId="LiveId" clId="{64834AE3-9290-469E-9C0C-F4F876EFC8D1}" dt="2025-11-15T17:51:05.945" v="3438" actId="20577"/>
+          <ac:spMkLst>
+            <pc:docMk/>
+            <pc:sldMk cId="1341383439" sldId="2113416869"/>
+            <ac:spMk id="5" creationId="{0EE3D768-32BD-E1DC-6005-A865BF1D14DA}"/>
+          </ac:spMkLst>
+        </pc:spChg>
+        <pc:spChg chg="add mod ord">
+          <ac:chgData name="Justin Henderson" userId="81207418e03c3f7a" providerId="LiveId" clId="{64834AE3-9290-469E-9C0C-F4F876EFC8D1}" dt="2025-11-15T17:59:36.807" v="3818" actId="20577"/>
+          <ac:spMkLst>
+            <pc:docMk/>
+            <pc:sldMk cId="1341383439" sldId="2113416869"/>
+            <ac:spMk id="6" creationId="{B4541E13-9F8B-C0C2-2273-C9E4CB9A66FB}"/>
+          </ac:spMkLst>
+        </pc:spChg>
+      </pc:sldChg>
+      <pc:sldChg chg="addSp delSp modSp new mod modClrScheme chgLayout">
+        <pc:chgData name="Justin Henderson" userId="81207418e03c3f7a" providerId="LiveId" clId="{64834AE3-9290-469E-9C0C-F4F876EFC8D1}" dt="2025-11-15T18:05:57.421" v="4498" actId="122"/>
+        <pc:sldMkLst>
+          <pc:docMk/>
+          <pc:sldMk cId="1957963643" sldId="2113416870"/>
+        </pc:sldMkLst>
+        <pc:spChg chg="del mod ord">
+          <ac:chgData name="Justin Henderson" userId="81207418e03c3f7a" providerId="LiveId" clId="{64834AE3-9290-469E-9C0C-F4F876EFC8D1}" dt="2025-11-15T18:01:01.631" v="3820" actId="700"/>
+          <ac:spMkLst>
+            <pc:docMk/>
+            <pc:sldMk cId="1957963643" sldId="2113416870"/>
+            <ac:spMk id="2" creationId="{C0B9B14A-4063-6A45-DEA2-68B741778735}"/>
+          </ac:spMkLst>
+        </pc:spChg>
+        <pc:spChg chg="del mod ord">
+          <ac:chgData name="Justin Henderson" userId="81207418e03c3f7a" providerId="LiveId" clId="{64834AE3-9290-469E-9C0C-F4F876EFC8D1}" dt="2025-11-15T18:01:01.631" v="3820" actId="700"/>
+          <ac:spMkLst>
+            <pc:docMk/>
+            <pc:sldMk cId="1957963643" sldId="2113416870"/>
+            <ac:spMk id="3" creationId="{C0ABDD4C-CCE1-889A-7294-8C825EA9D627}"/>
+          </ac:spMkLst>
+        </pc:spChg>
+        <pc:spChg chg="del">
+          <ac:chgData name="Justin Henderson" userId="81207418e03c3f7a" providerId="LiveId" clId="{64834AE3-9290-469E-9C0C-F4F876EFC8D1}" dt="2025-11-15T18:01:01.631" v="3820" actId="700"/>
+          <ac:spMkLst>
+            <pc:docMk/>
+            <pc:sldMk cId="1957963643" sldId="2113416870"/>
+            <ac:spMk id="4" creationId="{C43CFAA7-C56C-0AE4-D563-4A7A7A772250}"/>
+          </ac:spMkLst>
+        </pc:spChg>
+        <pc:spChg chg="add mod ord">
+          <ac:chgData name="Justin Henderson" userId="81207418e03c3f7a" providerId="LiveId" clId="{64834AE3-9290-469E-9C0C-F4F876EFC8D1}" dt="2025-11-15T18:02:06.698" v="3840" actId="700"/>
+          <ac:spMkLst>
+            <pc:docMk/>
+            <pc:sldMk cId="1957963643" sldId="2113416870"/>
+            <ac:spMk id="5" creationId="{97EA17BA-4645-0ABF-F512-7526F1A0E080}"/>
+          </ac:spMkLst>
+        </pc:spChg>
+        <pc:spChg chg="add del mod ord">
+          <ac:chgData name="Justin Henderson" userId="81207418e03c3f7a" providerId="LiveId" clId="{64834AE3-9290-469E-9C0C-F4F876EFC8D1}" dt="2025-11-15T18:02:06.698" v="3840" actId="700"/>
+          <ac:spMkLst>
+            <pc:docMk/>
+            <pc:sldMk cId="1957963643" sldId="2113416870"/>
+            <ac:spMk id="6" creationId="{EC494DD4-799F-6E92-90F1-AD0CF810CC0E}"/>
+          </ac:spMkLst>
+        </pc:spChg>
+        <pc:spChg chg="add mod ord">
+          <ac:chgData name="Justin Henderson" userId="81207418e03c3f7a" providerId="LiveId" clId="{64834AE3-9290-469E-9C0C-F4F876EFC8D1}" dt="2025-11-15T18:03:18.182" v="4110" actId="5793"/>
+          <ac:spMkLst>
+            <pc:docMk/>
+            <pc:sldMk cId="1957963643" sldId="2113416870"/>
+            <ac:spMk id="7" creationId="{576AD6DC-C63F-625B-EB79-B3EF01072583}"/>
+          </ac:spMkLst>
+        </pc:spChg>
+        <pc:spChg chg="add mod ord">
+          <ac:chgData name="Justin Henderson" userId="81207418e03c3f7a" providerId="LiveId" clId="{64834AE3-9290-469E-9C0C-F4F876EFC8D1}" dt="2025-11-15T18:03:57.896" v="4275" actId="20577"/>
+          <ac:spMkLst>
+            <pc:docMk/>
+            <pc:sldMk cId="1957963643" sldId="2113416870"/>
+            <ac:spMk id="8" creationId="{B98FD4DD-AD30-8F87-7B85-948B7570F49C}"/>
+          </ac:spMkLst>
+        </pc:spChg>
+        <pc:spChg chg="add mod ord">
+          <ac:chgData name="Justin Henderson" userId="81207418e03c3f7a" providerId="LiveId" clId="{64834AE3-9290-469E-9C0C-F4F876EFC8D1}" dt="2025-11-15T18:03:09.719" v="4084" actId="20577"/>
+          <ac:spMkLst>
+            <pc:docMk/>
+            <pc:sldMk cId="1957963643" sldId="2113416870"/>
+            <ac:spMk id="9" creationId="{C833EEE6-E1C2-4B9B-BB9C-86C67D2F0836}"/>
+          </ac:spMkLst>
+        </pc:spChg>
+        <pc:spChg chg="add mod ord">
+          <ac:chgData name="Justin Henderson" userId="81207418e03c3f7a" providerId="LiveId" clId="{64834AE3-9290-469E-9C0C-F4F876EFC8D1}" dt="2025-11-15T18:04:41.385" v="4430" actId="20577"/>
+          <ac:spMkLst>
+            <pc:docMk/>
+            <pc:sldMk cId="1957963643" sldId="2113416870"/>
+            <ac:spMk id="10" creationId="{9C34CF6C-1C7E-B17A-A52E-56AF699AECB1}"/>
+          </ac:spMkLst>
+        </pc:spChg>
+        <pc:spChg chg="add mod">
+          <ac:chgData name="Justin Henderson" userId="81207418e03c3f7a" providerId="LiveId" clId="{64834AE3-9290-469E-9C0C-F4F876EFC8D1}" dt="2025-11-15T18:05:57.421" v="4498" actId="122"/>
+          <ac:spMkLst>
+            <pc:docMk/>
+            <pc:sldMk cId="1957963643" sldId="2113416870"/>
+            <ac:spMk id="11" creationId="{9E384CB4-5765-892F-2576-C43E943D6339}"/>
+          </ac:spMkLst>
+        </pc:spChg>
+      </pc:sldChg>
+      <pc:sldChg chg="addSp delSp modSp new mod modClrScheme chgLayout">
+        <pc:chgData name="Justin Henderson" userId="81207418e03c3f7a" providerId="LiveId" clId="{64834AE3-9290-469E-9C0C-F4F876EFC8D1}" dt="2025-11-15T18:22:22.087" v="4785" actId="20577"/>
+        <pc:sldMkLst>
+          <pc:docMk/>
+          <pc:sldMk cId="2671783986" sldId="2113416871"/>
+        </pc:sldMkLst>
+        <pc:spChg chg="del mod ord">
+          <ac:chgData name="Justin Henderson" userId="81207418e03c3f7a" providerId="LiveId" clId="{64834AE3-9290-469E-9C0C-F4F876EFC8D1}" dt="2025-11-15T18:21:02.652" v="4500" actId="700"/>
+          <ac:spMkLst>
+            <pc:docMk/>
+            <pc:sldMk cId="2671783986" sldId="2113416871"/>
+            <ac:spMk id="2" creationId="{54C254C7-7BDF-4A77-69F6-E00342ADD799}"/>
+          </ac:spMkLst>
+        </pc:spChg>
+        <pc:spChg chg="del mod ord">
+          <ac:chgData name="Justin Henderson" userId="81207418e03c3f7a" providerId="LiveId" clId="{64834AE3-9290-469E-9C0C-F4F876EFC8D1}" dt="2025-11-15T18:21:02.652" v="4500" actId="700"/>
+          <ac:spMkLst>
+            <pc:docMk/>
+            <pc:sldMk cId="2671783986" sldId="2113416871"/>
+            <ac:spMk id="3" creationId="{1B7C3CA2-B6CF-2135-DBD6-759729FC5838}"/>
+          </ac:spMkLst>
+        </pc:spChg>
+        <pc:spChg chg="del">
+          <ac:chgData name="Justin Henderson" userId="81207418e03c3f7a" providerId="LiveId" clId="{64834AE3-9290-469E-9C0C-F4F876EFC8D1}" dt="2025-11-15T18:21:02.652" v="4500" actId="700"/>
+          <ac:spMkLst>
+            <pc:docMk/>
+            <pc:sldMk cId="2671783986" sldId="2113416871"/>
+            <ac:spMk id="4" creationId="{6B545111-D983-8D23-2713-72E130B64A49}"/>
+          </ac:spMkLst>
+        </pc:spChg>
+        <pc:spChg chg="add mod ord">
+          <ac:chgData name="Justin Henderson" userId="81207418e03c3f7a" providerId="LiveId" clId="{64834AE3-9290-469E-9C0C-F4F876EFC8D1}" dt="2025-11-15T18:21:08.493" v="4536" actId="20577"/>
+          <ac:spMkLst>
+            <pc:docMk/>
+            <pc:sldMk cId="2671783986" sldId="2113416871"/>
+            <ac:spMk id="5" creationId="{27092AA5-C0C9-4105-F1DD-6247CC78AB52}"/>
+          </ac:spMkLst>
+        </pc:spChg>
+        <pc:spChg chg="add mod ord">
+          <ac:chgData name="Justin Henderson" userId="81207418e03c3f7a" providerId="LiveId" clId="{64834AE3-9290-469E-9C0C-F4F876EFC8D1}" dt="2025-11-15T18:22:22.087" v="4785" actId="20577"/>
+          <ac:spMkLst>
+            <pc:docMk/>
+            <pc:sldMk cId="2671783986" sldId="2113416871"/>
+            <ac:spMk id="6" creationId="{11FACFDA-6D72-013F-E6E4-A825D4AC668C}"/>
+          </ac:spMkLst>
+        </pc:spChg>
+      </pc:sldChg>
+      <pc:sldChg chg="addSp delSp modSp new mod modClrScheme chgLayout">
+        <pc:chgData name="Justin Henderson" userId="81207418e03c3f7a" providerId="LiveId" clId="{64834AE3-9290-469E-9C0C-F4F876EFC8D1}" dt="2025-11-15T18:25:37.337" v="5054" actId="20577"/>
+        <pc:sldMkLst>
+          <pc:docMk/>
+          <pc:sldMk cId="4277157688" sldId="2113416872"/>
+        </pc:sldMkLst>
+        <pc:spChg chg="del mod ord">
+          <ac:chgData name="Justin Henderson" userId="81207418e03c3f7a" providerId="LiveId" clId="{64834AE3-9290-469E-9C0C-F4F876EFC8D1}" dt="2025-11-15T18:22:32.141" v="4787" actId="700"/>
+          <ac:spMkLst>
+            <pc:docMk/>
+            <pc:sldMk cId="4277157688" sldId="2113416872"/>
+            <ac:spMk id="2" creationId="{0B957367-7236-6F6B-885F-3341CBD1130C}"/>
+          </ac:spMkLst>
+        </pc:spChg>
+        <pc:spChg chg="del mod ord">
+          <ac:chgData name="Justin Henderson" userId="81207418e03c3f7a" providerId="LiveId" clId="{64834AE3-9290-469E-9C0C-F4F876EFC8D1}" dt="2025-11-15T18:22:32.141" v="4787" actId="700"/>
+          <ac:spMkLst>
+            <pc:docMk/>
+            <pc:sldMk cId="4277157688" sldId="2113416872"/>
+            <ac:spMk id="3" creationId="{B2D3D893-66DA-AA16-D43A-C4FC1487CAF3}"/>
+          </ac:spMkLst>
+        </pc:spChg>
+        <pc:spChg chg="del">
+          <ac:chgData name="Justin Henderson" userId="81207418e03c3f7a" providerId="LiveId" clId="{64834AE3-9290-469E-9C0C-F4F876EFC8D1}" dt="2025-11-15T18:22:32.141" v="4787" actId="700"/>
+          <ac:spMkLst>
+            <pc:docMk/>
+            <pc:sldMk cId="4277157688" sldId="2113416872"/>
+            <ac:spMk id="4" creationId="{186EB743-174C-7B6C-AE43-AE065059F5D0}"/>
+          </ac:spMkLst>
+        </pc:spChg>
+        <pc:spChg chg="add mod ord">
+          <ac:chgData name="Justin Henderson" userId="81207418e03c3f7a" providerId="LiveId" clId="{64834AE3-9290-469E-9C0C-F4F876EFC8D1}" dt="2025-11-15T18:22:41.134" v="4823" actId="20577"/>
+          <ac:spMkLst>
+            <pc:docMk/>
+            <pc:sldMk cId="4277157688" sldId="2113416872"/>
+            <ac:spMk id="5" creationId="{6CF5C48C-C6E3-288C-4079-86A3A059CC16}"/>
+          </ac:spMkLst>
+        </pc:spChg>
+        <pc:spChg chg="add mod ord">
+          <ac:chgData name="Justin Henderson" userId="81207418e03c3f7a" providerId="LiveId" clId="{64834AE3-9290-469E-9C0C-F4F876EFC8D1}" dt="2025-11-15T18:25:37.337" v="5054" actId="20577"/>
+          <ac:spMkLst>
+            <pc:docMk/>
+            <pc:sldMk cId="4277157688" sldId="2113416872"/>
+            <ac:spMk id="6" creationId="{50DD71EA-8AF0-1367-E53D-C18A6930B607}"/>
           </ac:spMkLst>
         </pc:spChg>
       </pc:sldChg>
@@ -1643,6 +1903,67 @@
     <p:extLst>
       <p:ext uri="{BB962C8B-B14F-4D97-AF65-F5344CB8AC3E}">
         <p14:creationId xmlns:p14="http://schemas.microsoft.com/office/powerpoint/2010/main" val="3551556812"/>
+      </p:ext>
+    </p:extLst>
+  </p:cSld>
+  <p:clrMapOvr>
+    <a:masterClrMapping/>
+  </p:clrMapOvr>
+</p:notes>
+</file>
+
+<file path=ppt/notesSlides/notesSlide2.xml><?xml version="1.0" encoding="utf-8"?>
+<p:notes xmlns:a="http://schemas.openxmlformats.org/drawingml/2006/main" xmlns:r="http://schemas.openxmlformats.org/officeDocument/2006/relationships" xmlns:p="http://schemas.openxmlformats.org/presentationml/2006/main">
+  <p:cSld>
+    <p:spTree>
+      <p:nvGrpSpPr>
+        <p:cNvPr id="1" name=""/>
+        <p:cNvGrpSpPr/>
+        <p:nvPr/>
+      </p:nvGrpSpPr>
+      <p:grpSpPr>
+        <a:xfrm>
+          <a:off x="0" y="0"/>
+          <a:ext cx="0" cy="0"/>
+          <a:chOff x="0" y="0"/>
+          <a:chExt cx="0" cy="0"/>
+        </a:xfrm>
+      </p:grpSpPr>
+      <p:sp>
+        <p:nvSpPr>
+          <p:cNvPr id="2" name="Slide Image Placeholder 1"/>
+          <p:cNvSpPr>
+            <a:spLocks noGrp="1" noRot="1" noChangeAspect="1"/>
+          </p:cNvSpPr>
+          <p:nvPr>
+            <p:ph type="sldImg"/>
+          </p:nvPr>
+        </p:nvSpPr>
+        <p:spPr/>
+      </p:sp>
+      <p:sp>
+        <p:nvSpPr>
+          <p:cNvPr id="3" name="Notes Placeholder 2"/>
+          <p:cNvSpPr>
+            <a:spLocks noGrp="1"/>
+          </p:cNvSpPr>
+          <p:nvPr>
+            <p:ph type="body" idx="1"/>
+          </p:nvPr>
+        </p:nvSpPr>
+        <p:spPr/>
+        <p:txBody>
+          <a:bodyPr/>
+          <a:lstStyle/>
+          <a:p>
+            <a:endParaRPr lang="en-US"/>
+          </a:p>
+        </p:txBody>
+      </p:sp>
+    </p:spTree>
+    <p:extLst>
+      <p:ext uri="{BB962C8B-B14F-4D97-AF65-F5344CB8AC3E}">
+        <p14:creationId xmlns:p14="http://schemas.microsoft.com/office/powerpoint/2010/main" val="3867522844"/>
       </p:ext>
     </p:extLst>
   </p:cSld>
@@ -4902,6 +5223,128 @@
           <p:cNvPr id="5" name="Title 4">
             <a:extLst>
               <a:ext uri="{FF2B5EF4-FFF2-40B4-BE49-F238E27FC236}">
+                <a16:creationId xmlns:a16="http://schemas.microsoft.com/office/drawing/2014/main" id="{B395BEAE-5CC8-548B-51A2-5E40703EBE7F}"/>
+              </a:ext>
+            </a:extLst>
+          </p:cNvPr>
+          <p:cNvSpPr>
+            <a:spLocks noGrp="1"/>
+          </p:cNvSpPr>
+          <p:nvPr>
+            <p:ph type="title"/>
+          </p:nvPr>
+        </p:nvSpPr>
+        <p:spPr/>
+        <p:txBody>
+          <a:bodyPr/>
+          <a:lstStyle/>
+          <a:p>
+            <a:r>
+              <a:rPr lang="en-US"/>
+              <a:t>S - Scripture</a:t>
+            </a:r>
+          </a:p>
+        </p:txBody>
+      </p:sp>
+      <p:sp>
+        <p:nvSpPr>
+          <p:cNvPr id="6" name="Content Placeholder 5">
+            <a:extLst>
+              <a:ext uri="{FF2B5EF4-FFF2-40B4-BE49-F238E27FC236}">
+                <a16:creationId xmlns:a16="http://schemas.microsoft.com/office/drawing/2014/main" id="{356AEB36-068B-81BF-D8AB-5455D770688D}"/>
+              </a:ext>
+            </a:extLst>
+          </p:cNvPr>
+          <p:cNvSpPr>
+            <a:spLocks noGrp="1"/>
+          </p:cNvSpPr>
+          <p:nvPr>
+            <p:ph idx="1"/>
+          </p:nvPr>
+        </p:nvSpPr>
+        <p:spPr/>
+        <p:txBody>
+          <a:bodyPr/>
+          <a:lstStyle/>
+          <a:p>
+            <a:r>
+              <a:rPr lang="en-US"/>
+              <a:t>Select a text. </a:t>
+            </a:r>
+            <a:r>
+              <a:rPr lang="en-US" b="1"/>
+              <a:t>Commit to a short section</a:t>
+            </a:r>
+          </a:p>
+          <a:p>
+            <a:pPr marL="457200" indent="-457200">
+              <a:buFont typeface="Arial" panose="020B0604020202020204" pitchFamily="34" charset="0"/>
+              <a:buChar char="•"/>
+            </a:pPr>
+            <a:r>
+              <a:rPr lang="en-US"/>
+              <a:t>For example: Mark 1:1-8</a:t>
+            </a:r>
+          </a:p>
+          <a:p>
+            <a:r>
+              <a:rPr lang="en-US"/>
+              <a:t>Read the selected text at least two times and read for understanding. The goal is not to get through it, but to understand it</a:t>
+            </a:r>
+          </a:p>
+          <a:p>
+            <a:pPr marL="457200" indent="-457200">
+              <a:buFont typeface="Arial" panose="020B0604020202020204" pitchFamily="34" charset="0"/>
+              <a:buChar char="•"/>
+            </a:pPr>
+            <a:r>
+              <a:rPr lang="en-US" sz="2800"/>
+              <a:t>Now read it one more time – as you read, imagine yourself as different characters in the store or as an observer</a:t>
+            </a:r>
+          </a:p>
+          <a:p>
+            <a:r>
+              <a:rPr lang="en-US"/>
+              <a:t>* It can be helpful to read as if you have never read the section before</a:t>
+            </a:r>
+          </a:p>
+        </p:txBody>
+      </p:sp>
+    </p:spTree>
+    <p:extLst>
+      <p:ext uri="{BB962C8B-B14F-4D97-AF65-F5344CB8AC3E}">
+        <p14:creationId xmlns:p14="http://schemas.microsoft.com/office/powerpoint/2010/main" val="811980647"/>
+      </p:ext>
+    </p:extLst>
+  </p:cSld>
+  <p:clrMapOvr>
+    <a:masterClrMapping/>
+  </p:clrMapOvr>
+</p:sld>
+</file>
+
+<file path=ppt/slides/slide11.xml><?xml version="1.0" encoding="utf-8"?>
+<p:sld xmlns:a="http://schemas.openxmlformats.org/drawingml/2006/main" xmlns:r="http://schemas.openxmlformats.org/officeDocument/2006/relationships" xmlns:p="http://schemas.openxmlformats.org/presentationml/2006/main">
+  <p:cSld>
+    <p:spTree>
+      <p:nvGrpSpPr>
+        <p:cNvPr id="1" name=""/>
+        <p:cNvGrpSpPr/>
+        <p:nvPr/>
+      </p:nvGrpSpPr>
+      <p:grpSpPr>
+        <a:xfrm>
+          <a:off x="0" y="0"/>
+          <a:ext cx="0" cy="0"/>
+          <a:chOff x="0" y="0"/>
+          <a:chExt cx="0" cy="0"/>
+        </a:xfrm>
+      </p:grpSpPr>
+      <p:sp>
+        <p:nvSpPr>
+          <p:cNvPr id="5" name="Title 4">
+            <a:extLst>
+              <a:ext uri="{FF2B5EF4-FFF2-40B4-BE49-F238E27FC236}">
                 <a16:creationId xmlns:a16="http://schemas.microsoft.com/office/drawing/2014/main" id="{F1C036A3-E331-9EAD-50C5-59ADCEB8521C}"/>
               </a:ext>
             </a:extLst>
@@ -5093,152 +5536,6 @@
 </p:sld>
 </file>
 
-<file path=ppt/slides/slide11.xml><?xml version="1.0" encoding="utf-8"?>
-<p:sld xmlns:a="http://schemas.openxmlformats.org/drawingml/2006/main" xmlns:r="http://schemas.openxmlformats.org/officeDocument/2006/relationships" xmlns:p="http://schemas.openxmlformats.org/presentationml/2006/main">
-  <p:cSld>
-    <p:spTree>
-      <p:nvGrpSpPr>
-        <p:cNvPr id="1" name=""/>
-        <p:cNvGrpSpPr/>
-        <p:nvPr/>
-      </p:nvGrpSpPr>
-      <p:grpSpPr>
-        <a:xfrm>
-          <a:off x="0" y="0"/>
-          <a:ext cx="0" cy="0"/>
-          <a:chOff x="0" y="0"/>
-          <a:chExt cx="0" cy="0"/>
-        </a:xfrm>
-      </p:grpSpPr>
-      <p:sp>
-        <p:nvSpPr>
-          <p:cNvPr id="5" name="Title 4">
-            <a:extLst>
-              <a:ext uri="{FF2B5EF4-FFF2-40B4-BE49-F238E27FC236}">
-                <a16:creationId xmlns:a16="http://schemas.microsoft.com/office/drawing/2014/main" id="{106CF802-99AE-5D71-3970-8C60F43B3101}"/>
-              </a:ext>
-            </a:extLst>
-          </p:cNvPr>
-          <p:cNvSpPr>
-            <a:spLocks noGrp="1"/>
-          </p:cNvSpPr>
-          <p:nvPr>
-            <p:ph type="title"/>
-          </p:nvPr>
-        </p:nvSpPr>
-        <p:spPr/>
-        <p:txBody>
-          <a:bodyPr/>
-          <a:lstStyle/>
-          <a:p>
-            <a:r>
-              <a:rPr lang="en-US"/>
-              <a:t>Mark 1:1-8 ESV</a:t>
-            </a:r>
-          </a:p>
-        </p:txBody>
-      </p:sp>
-      <p:sp>
-        <p:nvSpPr>
-          <p:cNvPr id="6" name="Content Placeholder 5">
-            <a:extLst>
-              <a:ext uri="{FF2B5EF4-FFF2-40B4-BE49-F238E27FC236}">
-                <a16:creationId xmlns:a16="http://schemas.microsoft.com/office/drawing/2014/main" id="{BCC414B4-5DED-D31A-BD6B-900DE19F7D9E}"/>
-              </a:ext>
-            </a:extLst>
-          </p:cNvPr>
-          <p:cNvSpPr>
-            <a:spLocks noGrp="1"/>
-          </p:cNvSpPr>
-          <p:nvPr>
-            <p:ph idx="1"/>
-          </p:nvPr>
-        </p:nvSpPr>
-        <p:spPr/>
-        <p:txBody>
-          <a:bodyPr/>
-          <a:lstStyle/>
-          <a:p>
-            <a:r>
-              <a:rPr lang="en-US" sz="2400" b="1"/>
-              <a:t>1</a:t>
-            </a:r>
-            <a:r>
-              <a:rPr lang="en-US" sz="2400"/>
-              <a:t> The beginning of the gospel of Jesus Christ, the Son of God. </a:t>
-            </a:r>
-            <a:r>
-              <a:rPr lang="en-US" sz="2400" b="1"/>
-              <a:t>2</a:t>
-            </a:r>
-            <a:r>
-              <a:rPr lang="en-US" sz="2400"/>
-              <a:t> As it is written in Isaiah the prophet, "Behold, I send my messenger before your face, who will prepare your way, </a:t>
-            </a:r>
-            <a:r>
-              <a:rPr lang="en-US" sz="2400" b="1"/>
-              <a:t>3</a:t>
-            </a:r>
-            <a:r>
-              <a:rPr lang="en-US" sz="2400"/>
-              <a:t> the voice of one crying in the wilderness: 'Prepare the way of the Lord, make his paths straight,'"</a:t>
-            </a:r>
-            <a:r>
-              <a:rPr lang="en-US" sz="2400" b="1"/>
-              <a:t>4</a:t>
-            </a:r>
-            <a:r>
-              <a:rPr lang="en-US" sz="2400"/>
-              <a:t> John appeared, baptizing in the wilderness and proclaiming a baptism of repentance for the forgiveness of sins. </a:t>
-            </a:r>
-            <a:r>
-              <a:rPr lang="en-US" sz="2400" b="1"/>
-              <a:t>5</a:t>
-            </a:r>
-            <a:r>
-              <a:rPr lang="en-US" sz="2400"/>
-              <a:t> And all the country of Judea and all Jerusalem were going out to him and were being baptized by him in the river Jordan, confessing their sins. </a:t>
-            </a:r>
-            <a:r>
-              <a:rPr lang="en-US" sz="2400" b="1"/>
-              <a:t>6</a:t>
-            </a:r>
-            <a:r>
-              <a:rPr lang="en-US" sz="2400"/>
-              <a:t> Now John was clothed with camel's hair and wore a leather belt around his waist and ate locusts and wild honey. </a:t>
-            </a:r>
-            <a:r>
-              <a:rPr lang="en-US" sz="2400" b="1"/>
-              <a:t>7</a:t>
-            </a:r>
-            <a:r>
-              <a:rPr lang="en-US" sz="2400"/>
-              <a:t> And he preached, saying, "After me comes he who is mightier than I, the strap of whose sandals I am not worthy to stoop down and untie. </a:t>
-            </a:r>
-            <a:r>
-              <a:rPr lang="en-US" sz="2400" b="1"/>
-              <a:t>8</a:t>
-            </a:r>
-            <a:r>
-              <a:rPr lang="en-US" sz="2400"/>
-              <a:t> I have baptized you with water, but he will baptize you with the Holy Spirit."</a:t>
-            </a:r>
-          </a:p>
-        </p:txBody>
-      </p:sp>
-    </p:spTree>
-    <p:extLst>
-      <p:ext uri="{BB962C8B-B14F-4D97-AF65-F5344CB8AC3E}">
-        <p14:creationId xmlns:p14="http://schemas.microsoft.com/office/powerpoint/2010/main" val="3962067714"/>
-      </p:ext>
-    </p:extLst>
-  </p:cSld>
-  <p:clrMapOvr>
-    <a:masterClrMapping/>
-  </p:clrMapOvr>
-</p:sld>
-</file>
-
 <file path=ppt/slides/slide12.xml><?xml version="1.0" encoding="utf-8"?>
 <p:sld xmlns:a="http://schemas.openxmlformats.org/drawingml/2006/main" xmlns:r="http://schemas.openxmlformats.org/officeDocument/2006/relationships" xmlns:p="http://schemas.openxmlformats.org/presentationml/2006/main">
   <p:cSld>
@@ -5261,7 +5558,7 @@
           <p:cNvPr id="5" name="Title 4">
             <a:extLst>
               <a:ext uri="{FF2B5EF4-FFF2-40B4-BE49-F238E27FC236}">
-                <a16:creationId xmlns:a16="http://schemas.microsoft.com/office/drawing/2014/main" id="{3F16DBC0-CE0B-A8C5-53A9-7C9981A9852E}"/>
+                <a16:creationId xmlns:a16="http://schemas.microsoft.com/office/drawing/2014/main" id="{106CF802-99AE-5D71-3970-8C60F43B3101}"/>
               </a:ext>
             </a:extLst>
           </p:cNvPr>
@@ -5279,7 +5576,7 @@
           <a:p>
             <a:r>
               <a:rPr lang="en-US"/>
-              <a:t>M - Meaning</a:t>
+              <a:t>Mark 1:1-8 ESV</a:t>
             </a:r>
           </a:p>
         </p:txBody>
@@ -5289,7 +5586,7 @@
           <p:cNvPr id="6" name="Content Placeholder 5">
             <a:extLst>
               <a:ext uri="{FF2B5EF4-FFF2-40B4-BE49-F238E27FC236}">
-                <a16:creationId xmlns:a16="http://schemas.microsoft.com/office/drawing/2014/main" id="{EA877215-1B0E-0B9D-C6DA-2D10BCFAA8D7}"/>
+                <a16:creationId xmlns:a16="http://schemas.microsoft.com/office/drawing/2014/main" id="{BCC414B4-5DED-D31A-BD6B-900DE19F7D9E}"/>
               </a:ext>
             </a:extLst>
           </p:cNvPr>
@@ -5306,46 +5603,68 @@
           <a:lstStyle/>
           <a:p>
             <a:r>
-              <a:rPr lang="en-US"/>
-              <a:t>Foundational principle</a:t>
-            </a:r>
-          </a:p>
-          <a:p>
-            <a:r>
-              <a:rPr lang="en-US" b="1"/>
-              <a:t>“Scripture can never mean what it never meant”</a:t>
-            </a:r>
-          </a:p>
-          <a:p>
-            <a:endParaRPr lang="en-US"/>
-          </a:p>
-          <a:p>
-            <a:r>
-              <a:rPr lang="en-US"/>
-              <a:t>Meaning is not invented – it is </a:t>
-            </a:r>
-            <a:r>
-              <a:rPr lang="en-US" b="1"/>
-              <a:t>discovered</a:t>
-            </a:r>
-          </a:p>
-          <a:p>
-            <a:endParaRPr lang="en-US"/>
-          </a:p>
-          <a:p>
-            <a:r>
-              <a:rPr lang="en-US"/>
-              <a:t>Seek the author’s intended message, not our personal interpretation</a:t>
-            </a:r>
-          </a:p>
-          <a:p>
-            <a:pPr marL="457200" indent="-457200">
-              <a:buFont typeface="Arial" panose="020B0604020202020204" pitchFamily="34" charset="0"/>
-              <a:buChar char="•"/>
-            </a:pPr>
-            <a:r>
-              <a:rPr lang="en-US"/>
-              <a:t>Now is where you attempt to answer your questions</a:t>
+              <a:rPr lang="en-US" sz="2400" b="1"/>
+              <a:t>1</a:t>
+            </a:r>
+            <a:r>
+              <a:rPr lang="en-US" sz="2400"/>
+              <a:t> The beginning of the gospel of Jesus Christ, the Son of God. </a:t>
+            </a:r>
+            <a:r>
+              <a:rPr lang="en-US" sz="2400" b="1"/>
+              <a:t>2</a:t>
+            </a:r>
+            <a:r>
+              <a:rPr lang="en-US" sz="2400"/>
+              <a:t> As it is written in Isaiah the prophet, "Behold, I send my messenger before your face, who will prepare your way, </a:t>
+            </a:r>
+            <a:r>
+              <a:rPr lang="en-US" sz="2400" b="1"/>
+              <a:t>3</a:t>
+            </a:r>
+            <a:r>
+              <a:rPr lang="en-US" sz="2400"/>
+              <a:t> the voice of one crying in the wilderness: 'Prepare the way of the Lord, make his paths straight,'"</a:t>
+            </a:r>
+            <a:r>
+              <a:rPr lang="en-US" sz="2400" b="1"/>
+              <a:t>4</a:t>
+            </a:r>
+            <a:r>
+              <a:rPr lang="en-US" sz="2400"/>
+              <a:t> John appeared, baptizing in the wilderness and proclaiming a baptism of repentance for the forgiveness of sins. </a:t>
+            </a:r>
+            <a:r>
+              <a:rPr lang="en-US" sz="2400" b="1"/>
+              <a:t>5</a:t>
+            </a:r>
+            <a:r>
+              <a:rPr lang="en-US" sz="2400"/>
+              <a:t> And all the country of Judea and all Jerusalem were going out to him and were being baptized by him in the river Jordan, confessing their sins. </a:t>
+            </a:r>
+            <a:r>
+              <a:rPr lang="en-US" sz="2400" b="1"/>
+              <a:t>6</a:t>
+            </a:r>
+            <a:r>
+              <a:rPr lang="en-US" sz="2400"/>
+              <a:t> Now John was clothed with camel's hair and wore a leather belt around his waist and ate locusts and wild honey. </a:t>
+            </a:r>
+            <a:r>
+              <a:rPr lang="en-US" sz="2400" b="1"/>
+              <a:t>7</a:t>
+            </a:r>
+            <a:r>
+              <a:rPr lang="en-US" sz="2400"/>
+              <a:t> And he preached, saying, "After me comes he who is mightier than I, the strap of whose sandals I am not worthy to stoop down and untie. </a:t>
+            </a:r>
+            <a:r>
+              <a:rPr lang="en-US" sz="2400" b="1"/>
+              <a:t>8</a:t>
+            </a:r>
+            <a:r>
+              <a:rPr lang="en-US" sz="2400"/>
+              <a:t> I have baptized you with water, but he will baptize you with the Holy Spirit."</a:t>
             </a:r>
           </a:p>
         </p:txBody>
@@ -5353,7 +5672,7 @@
     </p:spTree>
     <p:extLst>
       <p:ext uri="{BB962C8B-B14F-4D97-AF65-F5344CB8AC3E}">
-        <p14:creationId xmlns:p14="http://schemas.microsoft.com/office/powerpoint/2010/main" val="428358620"/>
+        <p14:creationId xmlns:p14="http://schemas.microsoft.com/office/powerpoint/2010/main" val="3962067714"/>
       </p:ext>
     </p:extLst>
   </p:cSld>
@@ -5385,7 +5704,7 @@
           <p:cNvPr id="5" name="Title 4">
             <a:extLst>
               <a:ext uri="{FF2B5EF4-FFF2-40B4-BE49-F238E27FC236}">
-                <a16:creationId xmlns:a16="http://schemas.microsoft.com/office/drawing/2014/main" id="{4ABD6AB0-57F2-2D0A-D940-DEEBA4CC1FA1}"/>
+                <a16:creationId xmlns:a16="http://schemas.microsoft.com/office/drawing/2014/main" id="{3F16DBC0-CE0B-A8C5-53A9-7C9981A9852E}"/>
               </a:ext>
             </a:extLst>
           </p:cNvPr>
@@ -5403,17 +5722,17 @@
           <a:p>
             <a:r>
               <a:rPr lang="en-US"/>
-              <a:t>Tools for Understanding</a:t>
-            </a:r>
-          </a:p>
-        </p:txBody>
-      </p:sp>
-      <p:sp>
-        <p:nvSpPr>
-          <p:cNvPr id="7" name="Content Placeholder 6">
+              <a:t>M - Meaning</a:t>
+            </a:r>
+          </a:p>
+        </p:txBody>
+      </p:sp>
+      <p:sp>
+        <p:nvSpPr>
+          <p:cNvPr id="6" name="Content Placeholder 5">
             <a:extLst>
               <a:ext uri="{FF2B5EF4-FFF2-40B4-BE49-F238E27FC236}">
-                <a16:creationId xmlns:a16="http://schemas.microsoft.com/office/drawing/2014/main" id="{EF574368-B979-3B49-DCFB-3A909B270A94}"/>
+                <a16:creationId xmlns:a16="http://schemas.microsoft.com/office/drawing/2014/main" id="{EA877215-1B0E-0B9D-C6DA-2D10BCFAA8D7}"/>
               </a:ext>
             </a:extLst>
           </p:cNvPr>
@@ -5421,13 +5740,47 @@
             <a:spLocks noGrp="1"/>
           </p:cNvSpPr>
           <p:nvPr>
-            <p:ph sz="half" idx="1"/>
+            <p:ph idx="1"/>
           </p:nvPr>
         </p:nvSpPr>
         <p:spPr/>
         <p:txBody>
           <a:bodyPr/>
           <a:lstStyle/>
+          <a:p>
+            <a:r>
+              <a:rPr lang="en-US"/>
+              <a:t>Foundational principle</a:t>
+            </a:r>
+          </a:p>
+          <a:p>
+            <a:r>
+              <a:rPr lang="en-US" b="1"/>
+              <a:t>“Scripture can never mean what it never meant”</a:t>
+            </a:r>
+          </a:p>
+          <a:p>
+            <a:endParaRPr lang="en-US"/>
+          </a:p>
+          <a:p>
+            <a:r>
+              <a:rPr lang="en-US"/>
+              <a:t>Meaning is not invented – it is </a:t>
+            </a:r>
+            <a:r>
+              <a:rPr lang="en-US" b="1"/>
+              <a:t>discovered</a:t>
+            </a:r>
+          </a:p>
+          <a:p>
+            <a:endParaRPr lang="en-US"/>
+          </a:p>
+          <a:p>
+            <a:r>
+              <a:rPr lang="en-US"/>
+              <a:t>Seek the author’s intended message, not our personal interpretation</a:t>
+            </a:r>
+          </a:p>
           <a:p>
             <a:pPr marL="457200" indent="-457200">
               <a:buFont typeface="Arial" panose="020B0604020202020204" pitchFamily="34" charset="0"/>
@@ -5435,184 +5788,7 @@
             </a:pPr>
             <a:r>
               <a:rPr lang="en-US"/>
-              <a:t>Footnotes in a study Bible</a:t>
-            </a:r>
-          </a:p>
-          <a:p>
-            <a:pPr marL="457200" indent="-457200">
-              <a:buFont typeface="Arial" panose="020B0604020202020204" pitchFamily="34" charset="0"/>
-              <a:buChar char="•"/>
-            </a:pPr>
-            <a:r>
-              <a:rPr lang="en-US"/>
-              <a:t>Scripture cross-references</a:t>
-            </a:r>
-          </a:p>
-          <a:p>
-            <a:pPr marL="457200" indent="-457200">
-              <a:buFont typeface="Arial" panose="020B0604020202020204" pitchFamily="34" charset="0"/>
-              <a:buChar char="•"/>
-            </a:pPr>
-            <a:r>
-              <a:rPr lang="en-US"/>
-              <a:t>Multiple translations</a:t>
-            </a:r>
-          </a:p>
-          <a:p>
-            <a:pPr marL="457200" indent="-457200">
-              <a:buFont typeface="Arial" panose="020B0604020202020204" pitchFamily="34" charset="0"/>
-              <a:buChar char="•"/>
-            </a:pPr>
-            <a:r>
-              <a:rPr lang="en-US"/>
-              <a:t>Maps</a:t>
-            </a:r>
-          </a:p>
-          <a:p>
-            <a:pPr marL="457200" indent="-457200">
-              <a:buFont typeface="Arial" panose="020B0604020202020204" pitchFamily="34" charset="0"/>
-              <a:buChar char="•"/>
-            </a:pPr>
-            <a:r>
-              <a:rPr lang="en-US"/>
-              <a:t>Historical background</a:t>
-            </a:r>
-          </a:p>
-          <a:p>
-            <a:pPr marL="457200" indent="-457200">
-              <a:buFont typeface="Arial" panose="020B0604020202020204" pitchFamily="34" charset="0"/>
-              <a:buChar char="•"/>
-            </a:pPr>
-            <a:r>
-              <a:rPr lang="en-US"/>
-              <a:t>Context within chapter</a:t>
-            </a:r>
-          </a:p>
-          <a:p>
-            <a:pPr marL="457200" indent="-457200">
-              <a:buFont typeface="Arial" panose="020B0604020202020204" pitchFamily="34" charset="0"/>
-              <a:buChar char="•"/>
-            </a:pPr>
-            <a:r>
-              <a:rPr lang="en-US"/>
-              <a:t>Context within the book</a:t>
-            </a:r>
-          </a:p>
-          <a:p>
-            <a:pPr marL="457200" indent="-457200">
-              <a:buFont typeface="Arial" panose="020B0604020202020204" pitchFamily="34" charset="0"/>
-              <a:buChar char="•"/>
-            </a:pPr>
-            <a:r>
-              <a:rPr lang="en-US"/>
-              <a:t>Reliable commentaries</a:t>
-            </a:r>
-          </a:p>
-          <a:p>
-            <a:pPr marL="457200" indent="-457200">
-              <a:buFont typeface="Arial" panose="020B0604020202020204" pitchFamily="34" charset="0"/>
-              <a:buChar char="•"/>
-            </a:pPr>
-            <a:r>
-              <a:rPr lang="en-US"/>
-              <a:t>Original language analysis</a:t>
-            </a:r>
-          </a:p>
-        </p:txBody>
-      </p:sp>
-      <p:sp>
-        <p:nvSpPr>
-          <p:cNvPr id="8" name="Content Placeholder 7">
-            <a:extLst>
-              <a:ext uri="{FF2B5EF4-FFF2-40B4-BE49-F238E27FC236}">
-                <a16:creationId xmlns:a16="http://schemas.microsoft.com/office/drawing/2014/main" id="{0B1BE93C-AF86-1903-F4EA-A3162D53E539}"/>
-              </a:ext>
-            </a:extLst>
-          </p:cNvPr>
-          <p:cNvSpPr>
-            <a:spLocks noGrp="1"/>
-          </p:cNvSpPr>
-          <p:nvPr>
-            <p:ph sz="half" idx="2"/>
-          </p:nvPr>
-        </p:nvSpPr>
-        <p:spPr/>
-        <p:txBody>
-          <a:bodyPr/>
-          <a:lstStyle/>
-          <a:p>
-            <a:r>
-              <a:rPr lang="en-US"/>
-              <a:t>Online Bible Tools</a:t>
-            </a:r>
-          </a:p>
-          <a:p>
-            <a:pPr marL="457200" indent="-457200">
-              <a:buFont typeface="Arial" panose="020B0604020202020204" pitchFamily="34" charset="0"/>
-              <a:buChar char="•"/>
-            </a:pPr>
-            <a:r>
-              <a:rPr lang="en-US"/>
-              <a:t>Logos</a:t>
-            </a:r>
-          </a:p>
-          <a:p>
-            <a:pPr marL="457200" indent="-457200">
-              <a:buFont typeface="Arial" panose="020B0604020202020204" pitchFamily="34" charset="0"/>
-              <a:buChar char="•"/>
-            </a:pPr>
-            <a:r>
-              <a:rPr lang="en-US"/>
-              <a:t>Blue Letter Bible</a:t>
-            </a:r>
-          </a:p>
-          <a:p>
-            <a:r>
-              <a:rPr lang="en-US"/>
-              <a:t>*Other Online Tools</a:t>
-            </a:r>
-          </a:p>
-          <a:p>
-            <a:pPr marL="457200" indent="-457200">
-              <a:buFont typeface="Arial" panose="020B0604020202020204" pitchFamily="34" charset="0"/>
-              <a:buChar char="•"/>
-            </a:pPr>
-            <a:r>
-              <a:rPr lang="en-US"/>
-              <a:t>Blogs</a:t>
-            </a:r>
-          </a:p>
-          <a:p>
-            <a:pPr marL="457200" indent="-457200">
-              <a:buFont typeface="Arial" panose="020B0604020202020204" pitchFamily="34" charset="0"/>
-              <a:buChar char="•"/>
-            </a:pPr>
-            <a:r>
-              <a:rPr lang="en-US"/>
-              <a:t>Videos</a:t>
-            </a:r>
-          </a:p>
-          <a:p>
-            <a:pPr marL="457200" indent="-457200">
-              <a:buFont typeface="Arial" panose="020B0604020202020204" pitchFamily="34" charset="0"/>
-              <a:buChar char="•"/>
-            </a:pPr>
-            <a:r>
-              <a:rPr lang="en-US"/>
-              <a:t>AI (ChatGPT, etc.)</a:t>
-            </a:r>
-          </a:p>
-          <a:p>
-            <a:pPr marL="457200" indent="-457200">
-              <a:buFont typeface="Arial" panose="020B0604020202020204" pitchFamily="34" charset="0"/>
-              <a:buChar char="•"/>
-            </a:pPr>
-            <a:endParaRPr lang="en-US"/>
-          </a:p>
-          <a:p>
-            <a:r>
-              <a:rPr lang="en-US"/>
-              <a:t>* Beware invalid information</a:t>
+              <a:t>Now is where you attempt to answer your questions</a:t>
             </a:r>
           </a:p>
         </p:txBody>
@@ -5620,7 +5796,7 @@
     </p:spTree>
     <p:extLst>
       <p:ext uri="{BB962C8B-B14F-4D97-AF65-F5344CB8AC3E}">
-        <p14:creationId xmlns:p14="http://schemas.microsoft.com/office/powerpoint/2010/main" val="4017531897"/>
+        <p14:creationId xmlns:p14="http://schemas.microsoft.com/office/powerpoint/2010/main" val="428358620"/>
       </p:ext>
     </p:extLst>
   </p:cSld>
@@ -5652,7 +5828,7 @@
           <p:cNvPr id="5" name="Title 4">
             <a:extLst>
               <a:ext uri="{FF2B5EF4-FFF2-40B4-BE49-F238E27FC236}">
-                <a16:creationId xmlns:a16="http://schemas.microsoft.com/office/drawing/2014/main" id="{1C460F1E-CE99-537B-5BF6-31F7DA629299}"/>
+                <a16:creationId xmlns:a16="http://schemas.microsoft.com/office/drawing/2014/main" id="{4ABD6AB0-57F2-2D0A-D940-DEEBA4CC1FA1}"/>
               </a:ext>
             </a:extLst>
           </p:cNvPr>
@@ -5670,17 +5846,17 @@
           <a:p>
             <a:r>
               <a:rPr lang="en-US"/>
-              <a:t>Establish Meaning</a:t>
-            </a:r>
-          </a:p>
-        </p:txBody>
-      </p:sp>
-      <p:sp>
-        <p:nvSpPr>
-          <p:cNvPr id="6" name="Content Placeholder 5">
+              <a:t>Tools for Understanding</a:t>
+            </a:r>
+          </a:p>
+        </p:txBody>
+      </p:sp>
+      <p:sp>
+        <p:nvSpPr>
+          <p:cNvPr id="7" name="Content Placeholder 6">
             <a:extLst>
               <a:ext uri="{FF2B5EF4-FFF2-40B4-BE49-F238E27FC236}">
-                <a16:creationId xmlns:a16="http://schemas.microsoft.com/office/drawing/2014/main" id="{16009061-5F86-8088-B26C-C156A9112D11}"/>
+                <a16:creationId xmlns:a16="http://schemas.microsoft.com/office/drawing/2014/main" id="{EF574368-B979-3B49-DCFB-3A909B270A94}"/>
               </a:ext>
             </a:extLst>
           </p:cNvPr>
@@ -5688,19 +5864,13 @@
             <a:spLocks noGrp="1"/>
           </p:cNvSpPr>
           <p:nvPr>
-            <p:ph idx="1"/>
+            <p:ph sz="half" idx="1"/>
           </p:nvPr>
         </p:nvSpPr>
         <p:spPr/>
         <p:txBody>
           <a:bodyPr/>
           <a:lstStyle/>
-          <a:p>
-            <a:r>
-              <a:rPr lang="en-US"/>
-              <a:t>Return to your observations and:</a:t>
-            </a:r>
-          </a:p>
           <a:p>
             <a:pPr marL="457200" indent="-457200">
               <a:buFont typeface="Arial" panose="020B0604020202020204" pitchFamily="34" charset="0"/>
@@ -5708,7 +5878,7 @@
             </a:pPr>
             <a:r>
               <a:rPr lang="en-US"/>
-              <a:t>Find answers</a:t>
+              <a:t>Footnotes in a study Bible</a:t>
             </a:r>
           </a:p>
           <a:p>
@@ -5718,7 +5888,7 @@
             </a:pPr>
             <a:r>
               <a:rPr lang="en-US"/>
-              <a:t>Consider cultural background</a:t>
+              <a:t>Scripture cross-references</a:t>
             </a:r>
           </a:p>
           <a:p>
@@ -5728,7 +5898,7 @@
             </a:pPr>
             <a:r>
               <a:rPr lang="en-US"/>
-              <a:t>Consider genre and literary style</a:t>
+              <a:t>Multiple translations</a:t>
             </a:r>
           </a:p>
           <a:p>
@@ -5738,13 +5908,7 @@
             </a:pPr>
             <a:r>
               <a:rPr lang="en-US"/>
-              <a:t>Look for repeated themes</a:t>
-            </a:r>
-          </a:p>
-          <a:p>
-            <a:r>
-              <a:rPr lang="en-US"/>
-              <a:t>Then, summarize the meaning of the passage in your own words</a:t>
+              <a:t>Maps</a:t>
             </a:r>
           </a:p>
           <a:p>
@@ -5754,7 +5918,144 @@
             </a:pPr>
             <a:r>
               <a:rPr lang="en-US"/>
-              <a:t>Be objective</a:t>
+              <a:t>Historical background</a:t>
+            </a:r>
+          </a:p>
+          <a:p>
+            <a:pPr marL="457200" indent="-457200">
+              <a:buFont typeface="Arial" panose="020B0604020202020204" pitchFamily="34" charset="0"/>
+              <a:buChar char="•"/>
+            </a:pPr>
+            <a:r>
+              <a:rPr lang="en-US"/>
+              <a:t>Context within chapter</a:t>
+            </a:r>
+          </a:p>
+          <a:p>
+            <a:pPr marL="457200" indent="-457200">
+              <a:buFont typeface="Arial" panose="020B0604020202020204" pitchFamily="34" charset="0"/>
+              <a:buChar char="•"/>
+            </a:pPr>
+            <a:r>
+              <a:rPr lang="en-US"/>
+              <a:t>Context within the book</a:t>
+            </a:r>
+          </a:p>
+          <a:p>
+            <a:pPr marL="457200" indent="-457200">
+              <a:buFont typeface="Arial" panose="020B0604020202020204" pitchFamily="34" charset="0"/>
+              <a:buChar char="•"/>
+            </a:pPr>
+            <a:r>
+              <a:rPr lang="en-US"/>
+              <a:t>Reliable commentaries</a:t>
+            </a:r>
+          </a:p>
+          <a:p>
+            <a:pPr marL="457200" indent="-457200">
+              <a:buFont typeface="Arial" panose="020B0604020202020204" pitchFamily="34" charset="0"/>
+              <a:buChar char="•"/>
+            </a:pPr>
+            <a:r>
+              <a:rPr lang="en-US"/>
+              <a:t>Original language analysis</a:t>
+            </a:r>
+          </a:p>
+        </p:txBody>
+      </p:sp>
+      <p:sp>
+        <p:nvSpPr>
+          <p:cNvPr id="8" name="Content Placeholder 7">
+            <a:extLst>
+              <a:ext uri="{FF2B5EF4-FFF2-40B4-BE49-F238E27FC236}">
+                <a16:creationId xmlns:a16="http://schemas.microsoft.com/office/drawing/2014/main" id="{0B1BE93C-AF86-1903-F4EA-A3162D53E539}"/>
+              </a:ext>
+            </a:extLst>
+          </p:cNvPr>
+          <p:cNvSpPr>
+            <a:spLocks noGrp="1"/>
+          </p:cNvSpPr>
+          <p:nvPr>
+            <p:ph sz="half" idx="2"/>
+          </p:nvPr>
+        </p:nvSpPr>
+        <p:spPr/>
+        <p:txBody>
+          <a:bodyPr/>
+          <a:lstStyle/>
+          <a:p>
+            <a:r>
+              <a:rPr lang="en-US"/>
+              <a:t>Online Bible Tools</a:t>
+            </a:r>
+          </a:p>
+          <a:p>
+            <a:pPr marL="457200" indent="-457200">
+              <a:buFont typeface="Arial" panose="020B0604020202020204" pitchFamily="34" charset="0"/>
+              <a:buChar char="•"/>
+            </a:pPr>
+            <a:r>
+              <a:rPr lang="en-US"/>
+              <a:t>Logos</a:t>
+            </a:r>
+          </a:p>
+          <a:p>
+            <a:pPr marL="457200" indent="-457200">
+              <a:buFont typeface="Arial" panose="020B0604020202020204" pitchFamily="34" charset="0"/>
+              <a:buChar char="•"/>
+            </a:pPr>
+            <a:r>
+              <a:rPr lang="en-US"/>
+              <a:t>Blue Letter Bible</a:t>
+            </a:r>
+          </a:p>
+          <a:p>
+            <a:r>
+              <a:rPr lang="en-US"/>
+              <a:t>*Other Online Tools</a:t>
+            </a:r>
+          </a:p>
+          <a:p>
+            <a:pPr marL="457200" indent="-457200">
+              <a:buFont typeface="Arial" panose="020B0604020202020204" pitchFamily="34" charset="0"/>
+              <a:buChar char="•"/>
+            </a:pPr>
+            <a:r>
+              <a:rPr lang="en-US"/>
+              <a:t>Blogs</a:t>
+            </a:r>
+          </a:p>
+          <a:p>
+            <a:pPr marL="457200" indent="-457200">
+              <a:buFont typeface="Arial" panose="020B0604020202020204" pitchFamily="34" charset="0"/>
+              <a:buChar char="•"/>
+            </a:pPr>
+            <a:r>
+              <a:rPr lang="en-US"/>
+              <a:t>Videos</a:t>
+            </a:r>
+          </a:p>
+          <a:p>
+            <a:pPr marL="457200" indent="-457200">
+              <a:buFont typeface="Arial" panose="020B0604020202020204" pitchFamily="34" charset="0"/>
+              <a:buChar char="•"/>
+            </a:pPr>
+            <a:r>
+              <a:rPr lang="en-US"/>
+              <a:t>AI (ChatGPT, etc.)</a:t>
+            </a:r>
+          </a:p>
+          <a:p>
+            <a:pPr marL="457200" indent="-457200">
+              <a:buFont typeface="Arial" panose="020B0604020202020204" pitchFamily="34" charset="0"/>
+              <a:buChar char="•"/>
+            </a:pPr>
+            <a:endParaRPr lang="en-US"/>
+          </a:p>
+          <a:p>
+            <a:r>
+              <a:rPr lang="en-US"/>
+              <a:t>* Beware invalid information</a:t>
             </a:r>
           </a:p>
         </p:txBody>
@@ -5762,7 +6063,7 @@
     </p:spTree>
     <p:extLst>
       <p:ext uri="{BB962C8B-B14F-4D97-AF65-F5344CB8AC3E}">
-        <p14:creationId xmlns:p14="http://schemas.microsoft.com/office/powerpoint/2010/main" val="3832809487"/>
+        <p14:creationId xmlns:p14="http://schemas.microsoft.com/office/powerpoint/2010/main" val="4017531897"/>
       </p:ext>
     </p:extLst>
   </p:cSld>
@@ -5794,7 +6095,7 @@
           <p:cNvPr id="5" name="Title 4">
             <a:extLst>
               <a:ext uri="{FF2B5EF4-FFF2-40B4-BE49-F238E27FC236}">
-                <a16:creationId xmlns:a16="http://schemas.microsoft.com/office/drawing/2014/main" id="{9FB57848-CC95-48B0-4EBD-2F273021D6C0}"/>
+                <a16:creationId xmlns:a16="http://schemas.microsoft.com/office/drawing/2014/main" id="{1C460F1E-CE99-537B-5BF6-31F7DA629299}"/>
               </a:ext>
             </a:extLst>
           </p:cNvPr>
@@ -5812,7 +6113,7 @@
           <a:p>
             <a:r>
               <a:rPr lang="en-US"/>
-              <a:t>A - Application</a:t>
+              <a:t>Establish Meaning</a:t>
             </a:r>
           </a:p>
         </p:txBody>
@@ -5822,7 +6123,7 @@
           <p:cNvPr id="6" name="Content Placeholder 5">
             <a:extLst>
               <a:ext uri="{FF2B5EF4-FFF2-40B4-BE49-F238E27FC236}">
-                <a16:creationId xmlns:a16="http://schemas.microsoft.com/office/drawing/2014/main" id="{428F716A-719A-EDCC-D088-A450317AC336}"/>
+                <a16:creationId xmlns:a16="http://schemas.microsoft.com/office/drawing/2014/main" id="{16009061-5F86-8088-B26C-C156A9112D11}"/>
               </a:ext>
             </a:extLst>
           </p:cNvPr>
@@ -5840,38 +6141,63 @@
           <a:p>
             <a:r>
               <a:rPr lang="en-US"/>
-              <a:t>Application poses the question:</a:t>
-            </a:r>
-          </a:p>
-          <a:p>
-            <a:r>
-              <a:rPr lang="en-US" b="1"/>
-              <a:t>“What does this mean </a:t>
-            </a:r>
-            <a:r>
-              <a:rPr lang="en-US" b="1" i="1"/>
-              <a:t>for me</a:t>
-            </a:r>
-            <a:r>
-              <a:rPr lang="en-US" b="1"/>
-              <a:t>, not what does it mean </a:t>
-            </a:r>
-            <a:r>
-              <a:rPr lang="en-US" b="1" i="1"/>
-              <a:t>to me</a:t>
-            </a:r>
-            <a:r>
-              <a:rPr lang="en-US" b="1"/>
-              <a:t>?”</a:t>
-            </a:r>
-          </a:p>
-          <a:p>
-            <a:endParaRPr lang="en-US" b="1"/>
-          </a:p>
-          <a:p>
-            <a:r>
-              <a:rPr lang="en-US"/>
-              <a:t>Application flows from meaning, not emotion</a:t>
+              <a:t>Return to your observations and:</a:t>
+            </a:r>
+          </a:p>
+          <a:p>
+            <a:pPr marL="457200" indent="-457200">
+              <a:buFont typeface="Arial" panose="020B0604020202020204" pitchFamily="34" charset="0"/>
+              <a:buChar char="•"/>
+            </a:pPr>
+            <a:r>
+              <a:rPr lang="en-US"/>
+              <a:t>Find answers</a:t>
+            </a:r>
+          </a:p>
+          <a:p>
+            <a:pPr marL="457200" indent="-457200">
+              <a:buFont typeface="Arial" panose="020B0604020202020204" pitchFamily="34" charset="0"/>
+              <a:buChar char="•"/>
+            </a:pPr>
+            <a:r>
+              <a:rPr lang="en-US"/>
+              <a:t>Consider cultural background</a:t>
+            </a:r>
+          </a:p>
+          <a:p>
+            <a:pPr marL="457200" indent="-457200">
+              <a:buFont typeface="Arial" panose="020B0604020202020204" pitchFamily="34" charset="0"/>
+              <a:buChar char="•"/>
+            </a:pPr>
+            <a:r>
+              <a:rPr lang="en-US"/>
+              <a:t>Consider genre and literary style</a:t>
+            </a:r>
+          </a:p>
+          <a:p>
+            <a:pPr marL="457200" indent="-457200">
+              <a:buFont typeface="Arial" panose="020B0604020202020204" pitchFamily="34" charset="0"/>
+              <a:buChar char="•"/>
+            </a:pPr>
+            <a:r>
+              <a:rPr lang="en-US"/>
+              <a:t>Look for repeated themes</a:t>
+            </a:r>
+          </a:p>
+          <a:p>
+            <a:r>
+              <a:rPr lang="en-US"/>
+              <a:t>Then, summarize the meaning of the passage in your own words</a:t>
+            </a:r>
+          </a:p>
+          <a:p>
+            <a:pPr marL="457200" indent="-457200">
+              <a:buFont typeface="Arial" panose="020B0604020202020204" pitchFamily="34" charset="0"/>
+              <a:buChar char="•"/>
+            </a:pPr>
+            <a:r>
+              <a:rPr lang="en-US"/>
+              <a:t>Be objective</a:t>
             </a:r>
           </a:p>
         </p:txBody>
@@ -5879,7 +6205,7 @@
     </p:spTree>
     <p:extLst>
       <p:ext uri="{BB962C8B-B14F-4D97-AF65-F5344CB8AC3E}">
-        <p14:creationId xmlns:p14="http://schemas.microsoft.com/office/powerpoint/2010/main" val="3833492054"/>
+        <p14:creationId xmlns:p14="http://schemas.microsoft.com/office/powerpoint/2010/main" val="3832809487"/>
       </p:ext>
     </p:extLst>
   </p:cSld>
@@ -5911,7 +6237,7 @@
           <p:cNvPr id="5" name="Title 4">
             <a:extLst>
               <a:ext uri="{FF2B5EF4-FFF2-40B4-BE49-F238E27FC236}">
-                <a16:creationId xmlns:a16="http://schemas.microsoft.com/office/drawing/2014/main" id="{C421CF24-46A1-2478-2C75-C3637722547F}"/>
+                <a16:creationId xmlns:a16="http://schemas.microsoft.com/office/drawing/2014/main" id="{0EE3D768-32BD-E1DC-6005-A865BF1D14DA}"/>
               </a:ext>
             </a:extLst>
           </p:cNvPr>
@@ -5929,7 +6255,7 @@
           <a:p>
             <a:r>
               <a:rPr lang="en-US"/>
-              <a:t>Transformation Over Information</a:t>
+              <a:t>Example AI Prompts</a:t>
             </a:r>
           </a:p>
         </p:txBody>
@@ -5939,7 +6265,7 @@
           <p:cNvPr id="6" name="Content Placeholder 5">
             <a:extLst>
               <a:ext uri="{FF2B5EF4-FFF2-40B4-BE49-F238E27FC236}">
-                <a16:creationId xmlns:a16="http://schemas.microsoft.com/office/drawing/2014/main" id="{34841352-0DFA-B313-4BC7-F2ADB80CE70A}"/>
+                <a16:creationId xmlns:a16="http://schemas.microsoft.com/office/drawing/2014/main" id="{B4541E13-9F8B-C0C2-2273-C9E4CB9A66FB}"/>
               </a:ext>
             </a:extLst>
           </p:cNvPr>
@@ -5955,19 +6281,13 @@
           <a:bodyPr/>
           <a:lstStyle/>
           <a:p>
-            <a:r>
-              <a:rPr lang="en-US"/>
-              <a:t>The Word aims for:</a:t>
-            </a:r>
-          </a:p>
-          <a:p>
             <a:pPr marL="457200" indent="-457200">
               <a:buFont typeface="Arial" panose="020B0604020202020204" pitchFamily="34" charset="0"/>
               <a:buChar char="•"/>
             </a:pPr>
             <a:r>
-              <a:rPr lang="en-US"/>
-              <a:t>A changed heart</a:t>
+              <a:rPr lang="en-US" sz="2800"/>
+              <a:t>In Mark 1:1–8, are there key words or ideas whose meaning isn’t fully captured in modern English?</a:t>
             </a:r>
           </a:p>
           <a:p>
@@ -5976,8 +6296,8 @@
               <a:buChar char="•"/>
             </a:pPr>
             <a:r>
-              <a:rPr lang="en-US"/>
-              <a:t>Renewed mind</a:t>
+              <a:rPr lang="en-US" sz="2800"/>
+              <a:t>What would the original audience have understood here that I might miss today?</a:t>
             </a:r>
           </a:p>
           <a:p>
@@ -5986,8 +6306,8 @@
               <a:buChar char="•"/>
             </a:pPr>
             <a:r>
-              <a:rPr lang="en-US"/>
-              <a:t>Spirit-led obedience</a:t>
+              <a:rPr lang="en-US" sz="2800"/>
+              <a:t>Why did the author include these specific details, and what is he emphasizing?</a:t>
             </a:r>
           </a:p>
           <a:p>
@@ -5996,8 +6316,8 @@
               <a:buChar char="•"/>
             </a:pPr>
             <a:r>
-              <a:rPr lang="en-US"/>
-              <a:t>Growing Christlikeness</a:t>
+              <a:rPr lang="en-US" sz="2800"/>
+              <a:t>What Old Testament passages or themes does this connect to?</a:t>
             </a:r>
           </a:p>
           <a:p>
@@ -6005,22 +6325,9 @@
               <a:buFont typeface="Arial" panose="020B0604020202020204" pitchFamily="34" charset="0"/>
               <a:buChar char="•"/>
             </a:pPr>
-            <a:endParaRPr lang="en-US"/>
-          </a:p>
-          <a:p>
-            <a:r>
-              <a:rPr lang="en-US"/>
-              <a:t>Respond with prayer, praise, repentance, and trust</a:t>
-            </a:r>
-          </a:p>
-          <a:p>
-            <a:pPr marL="457200" indent="-457200">
-              <a:buFont typeface="Arial" panose="020B0604020202020204" pitchFamily="34" charset="0"/>
-              <a:buChar char="•"/>
-            </a:pPr>
-            <a:r>
-              <a:rPr lang="en-US"/>
-              <a:t>Discipleship begins where application ends</a:t>
+            <a:r>
+              <a:rPr lang="en-US" sz="2800"/>
+              <a:t>Provide sources for the questions so I can confirm accuracy</a:t>
             </a:r>
           </a:p>
         </p:txBody>
@@ -6028,7 +6335,7 @@
     </p:spTree>
     <p:extLst>
       <p:ext uri="{BB962C8B-B14F-4D97-AF65-F5344CB8AC3E}">
-        <p14:creationId xmlns:p14="http://schemas.microsoft.com/office/powerpoint/2010/main" val="2080161903"/>
+        <p14:creationId xmlns:p14="http://schemas.microsoft.com/office/powerpoint/2010/main" val="1341383439"/>
       </p:ext>
     </p:extLst>
   </p:cSld>
@@ -6060,7 +6367,7 @@
           <p:cNvPr id="5" name="Title 4">
             <a:extLst>
               <a:ext uri="{FF2B5EF4-FFF2-40B4-BE49-F238E27FC236}">
-                <a16:creationId xmlns:a16="http://schemas.microsoft.com/office/drawing/2014/main" id="{F43F7CD9-429A-25D9-17F4-7987B8FC57A2}"/>
+                <a16:creationId xmlns:a16="http://schemas.microsoft.com/office/drawing/2014/main" id="{9FB57848-CC95-48B0-4EBD-2F273021D6C0}"/>
               </a:ext>
             </a:extLst>
           </p:cNvPr>
@@ -6078,7 +6385,7 @@
           <a:p>
             <a:r>
               <a:rPr lang="en-US"/>
-              <a:t>Three Directions of Application</a:t>
+              <a:t>A - Application</a:t>
             </a:r>
           </a:p>
         </p:txBody>
@@ -6088,7 +6395,7 @@
           <p:cNvPr id="6" name="Content Placeholder 5">
             <a:extLst>
               <a:ext uri="{FF2B5EF4-FFF2-40B4-BE49-F238E27FC236}">
-                <a16:creationId xmlns:a16="http://schemas.microsoft.com/office/drawing/2014/main" id="{826ECD2D-71BA-C443-EFB8-C7CCBA67CA30}"/>
+                <a16:creationId xmlns:a16="http://schemas.microsoft.com/office/drawing/2014/main" id="{428F716A-719A-EDCC-D088-A450317AC336}"/>
               </a:ext>
             </a:extLst>
           </p:cNvPr>
@@ -6104,45 +6411,40 @@
           <a:bodyPr/>
           <a:lstStyle/>
           <a:p>
-            <a:pPr marL="514350" indent="-514350">
-              <a:buFont typeface="+mj-lt"/>
-              <a:buAutoNum type="arabicPeriod"/>
-            </a:pPr>
+            <a:r>
+              <a:rPr lang="en-US"/>
+              <a:t>Application poses the question:</a:t>
+            </a:r>
+          </a:p>
+          <a:p>
             <a:r>
               <a:rPr lang="en-US" b="1"/>
-              <a:t>Inward</a:t>
-            </a:r>
-            <a:r>
-              <a:rPr lang="en-US"/>
-              <a:t> – How should this reshape my thoughts, desires, and/or attitudes</a:t>
-            </a:r>
-          </a:p>
-          <a:p>
-            <a:pPr marL="514350" indent="-514350">
-              <a:buFont typeface="+mj-lt"/>
-              <a:buAutoNum type="arabicPeriod"/>
-            </a:pPr>
+              <a:t>“What does this mean </a:t>
+            </a:r>
+            <a:r>
+              <a:rPr lang="en-US" b="1" i="1"/>
+              <a:t>for me</a:t>
+            </a:r>
             <a:r>
               <a:rPr lang="en-US" b="1"/>
-              <a:t>Outward</a:t>
-            </a:r>
-            <a:r>
-              <a:rPr lang="en-US"/>
-              <a:t> – How should this reshape my actions, words, habits, and/or relationships</a:t>
-            </a:r>
-          </a:p>
-          <a:p>
-            <a:pPr marL="514350" indent="-514350">
-              <a:buFont typeface="+mj-lt"/>
-              <a:buAutoNum type="arabicPeriod"/>
-            </a:pPr>
+              <a:t>, not what does it mean </a:t>
+            </a:r>
+            <a:r>
+              <a:rPr lang="en-US" b="1" i="1"/>
+              <a:t>to me</a:t>
+            </a:r>
             <a:r>
               <a:rPr lang="en-US" b="1"/>
-              <a:t>Upward</a:t>
-            </a:r>
-            <a:r>
-              <a:rPr lang="en-US"/>
-              <a:t> – How should this reshape my trust, view of God, worship, and/or obedience?</a:t>
+              <a:t>?”</a:t>
+            </a:r>
+          </a:p>
+          <a:p>
+            <a:endParaRPr lang="en-US" b="1"/>
+          </a:p>
+          <a:p>
+            <a:r>
+              <a:rPr lang="en-US"/>
+              <a:t>Application flows from meaning, not emotion</a:t>
             </a:r>
           </a:p>
         </p:txBody>
@@ -6150,7 +6452,7 @@
     </p:spTree>
     <p:extLst>
       <p:ext uri="{BB962C8B-B14F-4D97-AF65-F5344CB8AC3E}">
-        <p14:creationId xmlns:p14="http://schemas.microsoft.com/office/powerpoint/2010/main" val="525087352"/>
+        <p14:creationId xmlns:p14="http://schemas.microsoft.com/office/powerpoint/2010/main" val="3833492054"/>
       </p:ext>
     </p:extLst>
   </p:cSld>
@@ -6182,7 +6484,7 @@
           <p:cNvPr id="5" name="Title 4">
             <a:extLst>
               <a:ext uri="{FF2B5EF4-FFF2-40B4-BE49-F238E27FC236}">
-                <a16:creationId xmlns:a16="http://schemas.microsoft.com/office/drawing/2014/main" id="{02DEB7C3-C1C7-8FAC-6C6C-53B12960BCC4}"/>
+                <a16:creationId xmlns:a16="http://schemas.microsoft.com/office/drawing/2014/main" id="{C421CF24-46A1-2478-2C75-C3637722547F}"/>
               </a:ext>
             </a:extLst>
           </p:cNvPr>
@@ -6200,7 +6502,7 @@
           <a:p>
             <a:r>
               <a:rPr lang="en-US"/>
-              <a:t>Closing</a:t>
+              <a:t>Transformation Over Information</a:t>
             </a:r>
           </a:p>
         </p:txBody>
@@ -6210,7 +6512,7 @@
           <p:cNvPr id="6" name="Content Placeholder 5">
             <a:extLst>
               <a:ext uri="{FF2B5EF4-FFF2-40B4-BE49-F238E27FC236}">
-                <a16:creationId xmlns:a16="http://schemas.microsoft.com/office/drawing/2014/main" id="{A3A977AA-18CE-B79B-25D4-28FE0AB5A3C5}"/>
+                <a16:creationId xmlns:a16="http://schemas.microsoft.com/office/drawing/2014/main" id="{34841352-0DFA-B313-4BC7-F2ADB80CE70A}"/>
               </a:ext>
             </a:extLst>
           </p:cNvPr>
@@ -6227,32 +6529,71 @@
           <a:lstStyle/>
           <a:p>
             <a:r>
-              <a:rPr lang="en-US" b="1"/>
-              <a:t>Psalm 1:1–2 (ESV)</a:t>
-            </a:r>
-          </a:p>
-          <a:p>
-            <a:r>
-              <a:rPr lang="en-US" i="1"/>
-              <a:t>Blessed is the man who walks not in the counsel of the wicked, nor stands in the way of sinners, nor sits in the seat of scoffers; but his delight is in the law of the LORD, and on his law he meditates day and night.</a:t>
-            </a:r>
+              <a:rPr lang="en-US"/>
+              <a:t>The Word aims for:</a:t>
+            </a:r>
+          </a:p>
+          <a:p>
+            <a:pPr marL="457200" indent="-457200">
+              <a:buFont typeface="Arial" panose="020B0604020202020204" pitchFamily="34" charset="0"/>
+              <a:buChar char="•"/>
+            </a:pPr>
+            <a:r>
+              <a:rPr lang="en-US"/>
+              <a:t>A changed heart</a:t>
+            </a:r>
+          </a:p>
+          <a:p>
+            <a:pPr marL="457200" indent="-457200">
+              <a:buFont typeface="Arial" panose="020B0604020202020204" pitchFamily="34" charset="0"/>
+              <a:buChar char="•"/>
+            </a:pPr>
+            <a:r>
+              <a:rPr lang="en-US"/>
+              <a:t>Renewed mind</a:t>
+            </a:r>
+          </a:p>
+          <a:p>
+            <a:pPr marL="457200" indent="-457200">
+              <a:buFont typeface="Arial" panose="020B0604020202020204" pitchFamily="34" charset="0"/>
+              <a:buChar char="•"/>
+            </a:pPr>
+            <a:r>
+              <a:rPr lang="en-US"/>
+              <a:t>Spirit-led obedience</a:t>
+            </a:r>
+          </a:p>
+          <a:p>
+            <a:pPr marL="457200" indent="-457200">
+              <a:buFont typeface="Arial" panose="020B0604020202020204" pitchFamily="34" charset="0"/>
+              <a:buChar char="•"/>
+            </a:pPr>
+            <a:r>
+              <a:rPr lang="en-US"/>
+              <a:t>Growing Christlikeness</a:t>
+            </a:r>
+          </a:p>
+          <a:p>
+            <a:pPr marL="457200" indent="-457200">
+              <a:buFont typeface="Arial" panose="020B0604020202020204" pitchFamily="34" charset="0"/>
+              <a:buChar char="•"/>
+            </a:pPr>
             <a:endParaRPr lang="en-US"/>
           </a:p>
           <a:p>
-            <a:endParaRPr lang="en-US" b="1">
-              <a:solidFill>
-                <a:srgbClr val="035757"/>
-              </a:solidFill>
-            </a:endParaRPr>
-          </a:p>
-          <a:p>
-            <a:r>
-              <a:rPr lang="en-US" b="1">
-                <a:solidFill>
-                  <a:srgbClr val="035757"/>
-                </a:solidFill>
-              </a:rPr>
-              <a:t>justin@tellaro.io</a:t>
+            <a:r>
+              <a:rPr lang="en-US"/>
+              <a:t>Respond with prayer, praise, repentance, and trust</a:t>
+            </a:r>
+          </a:p>
+          <a:p>
+            <a:pPr marL="457200" indent="-457200">
+              <a:buFont typeface="Arial" panose="020B0604020202020204" pitchFamily="34" charset="0"/>
+              <a:buChar char="•"/>
+            </a:pPr>
+            <a:r>
+              <a:rPr lang="en-US"/>
+              <a:t>Discipleship begins where application ends</a:t>
             </a:r>
           </a:p>
         </p:txBody>
@@ -6260,7 +6601,123 @@
     </p:spTree>
     <p:extLst>
       <p:ext uri="{BB962C8B-B14F-4D97-AF65-F5344CB8AC3E}">
-        <p14:creationId xmlns:p14="http://schemas.microsoft.com/office/powerpoint/2010/main" val="1483439235"/>
+        <p14:creationId xmlns:p14="http://schemas.microsoft.com/office/powerpoint/2010/main" val="2080161903"/>
+      </p:ext>
+    </p:extLst>
+  </p:cSld>
+  <p:clrMapOvr>
+    <a:masterClrMapping/>
+  </p:clrMapOvr>
+</p:sld>
+</file>
+
+<file path=ppt/slides/slide19.xml><?xml version="1.0" encoding="utf-8"?>
+<p:sld xmlns:a="http://schemas.openxmlformats.org/drawingml/2006/main" xmlns:r="http://schemas.openxmlformats.org/officeDocument/2006/relationships" xmlns:p="http://schemas.openxmlformats.org/presentationml/2006/main">
+  <p:cSld>
+    <p:spTree>
+      <p:nvGrpSpPr>
+        <p:cNvPr id="1" name=""/>
+        <p:cNvGrpSpPr/>
+        <p:nvPr/>
+      </p:nvGrpSpPr>
+      <p:grpSpPr>
+        <a:xfrm>
+          <a:off x="0" y="0"/>
+          <a:ext cx="0" cy="0"/>
+          <a:chOff x="0" y="0"/>
+          <a:chExt cx="0" cy="0"/>
+        </a:xfrm>
+      </p:grpSpPr>
+      <p:sp>
+        <p:nvSpPr>
+          <p:cNvPr id="5" name="Title 4">
+            <a:extLst>
+              <a:ext uri="{FF2B5EF4-FFF2-40B4-BE49-F238E27FC236}">
+                <a16:creationId xmlns:a16="http://schemas.microsoft.com/office/drawing/2014/main" id="{27092AA5-C0C9-4105-F1DD-6247CC78AB52}"/>
+              </a:ext>
+            </a:extLst>
+          </p:cNvPr>
+          <p:cNvSpPr>
+            <a:spLocks noGrp="1"/>
+          </p:cNvSpPr>
+          <p:nvPr>
+            <p:ph type="title"/>
+          </p:nvPr>
+        </p:nvSpPr>
+        <p:spPr/>
+        <p:txBody>
+          <a:bodyPr/>
+          <a:lstStyle/>
+          <a:p>
+            <a:r>
+              <a:rPr lang="en-US"/>
+              <a:t>Saturation of the Word in Daily Life</a:t>
+            </a:r>
+          </a:p>
+        </p:txBody>
+      </p:sp>
+      <p:sp>
+        <p:nvSpPr>
+          <p:cNvPr id="6" name="Content Placeholder 5">
+            <a:extLst>
+              <a:ext uri="{FF2B5EF4-FFF2-40B4-BE49-F238E27FC236}">
+                <a16:creationId xmlns:a16="http://schemas.microsoft.com/office/drawing/2014/main" id="{11FACFDA-6D72-013F-E6E4-A825D4AC668C}"/>
+              </a:ext>
+            </a:extLst>
+          </p:cNvPr>
+          <p:cNvSpPr>
+            <a:spLocks noGrp="1"/>
+          </p:cNvSpPr>
+          <p:nvPr>
+            <p:ph idx="1"/>
+          </p:nvPr>
+        </p:nvSpPr>
+        <p:spPr/>
+        <p:txBody>
+          <a:bodyPr/>
+          <a:lstStyle/>
+          <a:p>
+            <a:r>
+              <a:rPr lang="en-US"/>
+              <a:t>Read, listen, or watch something related to the text being studied during the week</a:t>
+            </a:r>
+          </a:p>
+          <a:p>
+            <a:pPr marL="457200" indent="-457200">
+              <a:buFont typeface="Arial" panose="020B0604020202020204" pitchFamily="34" charset="0"/>
+              <a:buChar char="•"/>
+            </a:pPr>
+            <a:r>
+              <a:rPr lang="en-US"/>
+              <a:t>Journal something related to the text</a:t>
+            </a:r>
+          </a:p>
+          <a:p>
+            <a:pPr marL="457200" indent="-457200">
+              <a:buFont typeface="Arial" panose="020B0604020202020204" pitchFamily="34" charset="0"/>
+              <a:buChar char="•"/>
+            </a:pPr>
+            <a:r>
+              <a:rPr lang="en-US"/>
+              <a:t>Hold at least one conversation with someone concerning the text</a:t>
+            </a:r>
+          </a:p>
+          <a:p>
+            <a:pPr marL="457200" indent="-457200">
+              <a:buFont typeface="Arial" panose="020B0604020202020204" pitchFamily="34" charset="0"/>
+              <a:buChar char="•"/>
+            </a:pPr>
+            <a:r>
+              <a:rPr lang="en-US"/>
+              <a:t>Pray concerning the text – praise and petition</a:t>
+            </a:r>
+          </a:p>
+        </p:txBody>
+      </p:sp>
+    </p:spTree>
+    <p:extLst>
+      <p:ext uri="{BB962C8B-B14F-4D97-AF65-F5344CB8AC3E}">
+        <p14:creationId xmlns:p14="http://schemas.microsoft.com/office/powerpoint/2010/main" val="2671783986"/>
       </p:ext>
     </p:extLst>
   </p:cSld>
@@ -6386,6 +6843,504 @@
     <p:extLst>
       <p:ext uri="{BB962C8B-B14F-4D97-AF65-F5344CB8AC3E}">
         <p14:creationId xmlns:p14="http://schemas.microsoft.com/office/powerpoint/2010/main" val="1933302484"/>
+      </p:ext>
+    </p:extLst>
+  </p:cSld>
+  <p:clrMapOvr>
+    <a:masterClrMapping/>
+  </p:clrMapOvr>
+</p:sld>
+</file>
+
+<file path=ppt/slides/slide20.xml><?xml version="1.0" encoding="utf-8"?>
+<p:sld xmlns:a="http://schemas.openxmlformats.org/drawingml/2006/main" xmlns:r="http://schemas.openxmlformats.org/officeDocument/2006/relationships" xmlns:p="http://schemas.openxmlformats.org/presentationml/2006/main">
+  <p:cSld>
+    <p:spTree>
+      <p:nvGrpSpPr>
+        <p:cNvPr id="1" name=""/>
+        <p:cNvGrpSpPr/>
+        <p:nvPr/>
+      </p:nvGrpSpPr>
+      <p:grpSpPr>
+        <a:xfrm>
+          <a:off x="0" y="0"/>
+          <a:ext cx="0" cy="0"/>
+          <a:chOff x="0" y="0"/>
+          <a:chExt cx="0" cy="0"/>
+        </a:xfrm>
+      </p:grpSpPr>
+      <p:sp>
+        <p:nvSpPr>
+          <p:cNvPr id="5" name="Title 4">
+            <a:extLst>
+              <a:ext uri="{FF2B5EF4-FFF2-40B4-BE49-F238E27FC236}">
+                <a16:creationId xmlns:a16="http://schemas.microsoft.com/office/drawing/2014/main" id="{F43F7CD9-429A-25D9-17F4-7987B8FC57A2}"/>
+              </a:ext>
+            </a:extLst>
+          </p:cNvPr>
+          <p:cNvSpPr>
+            <a:spLocks noGrp="1"/>
+          </p:cNvSpPr>
+          <p:nvPr>
+            <p:ph type="title"/>
+          </p:nvPr>
+        </p:nvSpPr>
+        <p:spPr/>
+        <p:txBody>
+          <a:bodyPr/>
+          <a:lstStyle/>
+          <a:p>
+            <a:r>
+              <a:rPr lang="en-US"/>
+              <a:t>Three Directions of Application</a:t>
+            </a:r>
+          </a:p>
+        </p:txBody>
+      </p:sp>
+      <p:sp>
+        <p:nvSpPr>
+          <p:cNvPr id="6" name="Content Placeholder 5">
+            <a:extLst>
+              <a:ext uri="{FF2B5EF4-FFF2-40B4-BE49-F238E27FC236}">
+                <a16:creationId xmlns:a16="http://schemas.microsoft.com/office/drawing/2014/main" id="{826ECD2D-71BA-C443-EFB8-C7CCBA67CA30}"/>
+              </a:ext>
+            </a:extLst>
+          </p:cNvPr>
+          <p:cNvSpPr>
+            <a:spLocks noGrp="1"/>
+          </p:cNvSpPr>
+          <p:nvPr>
+            <p:ph idx="1"/>
+          </p:nvPr>
+        </p:nvSpPr>
+        <p:spPr/>
+        <p:txBody>
+          <a:bodyPr/>
+          <a:lstStyle/>
+          <a:p>
+            <a:pPr marL="514350" indent="-514350">
+              <a:buFont typeface="+mj-lt"/>
+              <a:buAutoNum type="arabicPeriod"/>
+            </a:pPr>
+            <a:r>
+              <a:rPr lang="en-US" b="1"/>
+              <a:t>Inward</a:t>
+            </a:r>
+            <a:r>
+              <a:rPr lang="en-US"/>
+              <a:t> – How should this reshape my thoughts, desires, and/or attitudes</a:t>
+            </a:r>
+          </a:p>
+          <a:p>
+            <a:pPr marL="514350" indent="-514350">
+              <a:buFont typeface="+mj-lt"/>
+              <a:buAutoNum type="arabicPeriod"/>
+            </a:pPr>
+            <a:r>
+              <a:rPr lang="en-US" b="1"/>
+              <a:t>Outward</a:t>
+            </a:r>
+            <a:r>
+              <a:rPr lang="en-US"/>
+              <a:t> – How should this reshape my actions, words, habits, and/or relationships</a:t>
+            </a:r>
+          </a:p>
+          <a:p>
+            <a:pPr marL="514350" indent="-514350">
+              <a:buFont typeface="+mj-lt"/>
+              <a:buAutoNum type="arabicPeriod"/>
+            </a:pPr>
+            <a:r>
+              <a:rPr lang="en-US" b="1"/>
+              <a:t>Upward</a:t>
+            </a:r>
+            <a:r>
+              <a:rPr lang="en-US"/>
+              <a:t> – How should this reshape my trust, view of God, worship, and/or obedience?</a:t>
+            </a:r>
+          </a:p>
+        </p:txBody>
+      </p:sp>
+    </p:spTree>
+    <p:extLst>
+      <p:ext uri="{BB962C8B-B14F-4D97-AF65-F5344CB8AC3E}">
+        <p14:creationId xmlns:p14="http://schemas.microsoft.com/office/powerpoint/2010/main" val="525087352"/>
+      </p:ext>
+    </p:extLst>
+  </p:cSld>
+  <p:clrMapOvr>
+    <a:masterClrMapping/>
+  </p:clrMapOvr>
+</p:sld>
+</file>
+
+<file path=ppt/slides/slide21.xml><?xml version="1.0" encoding="utf-8"?>
+<p:sld xmlns:a="http://schemas.openxmlformats.org/drawingml/2006/main" xmlns:r="http://schemas.openxmlformats.org/officeDocument/2006/relationships" xmlns:p="http://schemas.openxmlformats.org/presentationml/2006/main">
+  <p:cSld>
+    <p:spTree>
+      <p:nvGrpSpPr>
+        <p:cNvPr id="1" name=""/>
+        <p:cNvGrpSpPr/>
+        <p:nvPr/>
+      </p:nvGrpSpPr>
+      <p:grpSpPr>
+        <a:xfrm>
+          <a:off x="0" y="0"/>
+          <a:ext cx="0" cy="0"/>
+          <a:chOff x="0" y="0"/>
+          <a:chExt cx="0" cy="0"/>
+        </a:xfrm>
+      </p:grpSpPr>
+      <p:sp>
+        <p:nvSpPr>
+          <p:cNvPr id="5" name="Title 4">
+            <a:extLst>
+              <a:ext uri="{FF2B5EF4-FFF2-40B4-BE49-F238E27FC236}">
+                <a16:creationId xmlns:a16="http://schemas.microsoft.com/office/drawing/2014/main" id="{6CF5C48C-C6E3-288C-4079-86A3A059CC16}"/>
+              </a:ext>
+            </a:extLst>
+          </p:cNvPr>
+          <p:cNvSpPr>
+            <a:spLocks noGrp="1"/>
+          </p:cNvSpPr>
+          <p:nvPr>
+            <p:ph type="title"/>
+          </p:nvPr>
+        </p:nvSpPr>
+        <p:spPr/>
+        <p:txBody>
+          <a:bodyPr/>
+          <a:lstStyle/>
+          <a:p>
+            <a:r>
+              <a:rPr lang="en-US"/>
+              <a:t>Way of Discipleship – Done Together</a:t>
+            </a:r>
+          </a:p>
+        </p:txBody>
+      </p:sp>
+      <p:sp>
+        <p:nvSpPr>
+          <p:cNvPr id="6" name="Content Placeholder 5">
+            <a:extLst>
+              <a:ext uri="{FF2B5EF4-FFF2-40B4-BE49-F238E27FC236}">
+                <a16:creationId xmlns:a16="http://schemas.microsoft.com/office/drawing/2014/main" id="{50DD71EA-8AF0-1367-E53D-C18A6930B607}"/>
+              </a:ext>
+            </a:extLst>
+          </p:cNvPr>
+          <p:cNvSpPr>
+            <a:spLocks noGrp="1"/>
+          </p:cNvSpPr>
+          <p:nvPr>
+            <p:ph idx="1"/>
+          </p:nvPr>
+        </p:nvSpPr>
+        <p:spPr/>
+        <p:txBody>
+          <a:bodyPr/>
+          <a:lstStyle/>
+          <a:p>
+            <a:r>
+              <a:rPr lang="en-US"/>
+              <a:t>Consider starting a SOMA group</a:t>
+            </a:r>
+          </a:p>
+          <a:p>
+            <a:pPr marL="457200" indent="-457200">
+              <a:buFont typeface="Arial" panose="020B0604020202020204" pitchFamily="34" charset="0"/>
+              <a:buChar char="•"/>
+            </a:pPr>
+            <a:r>
+              <a:rPr lang="en-US"/>
+              <a:t>Two weeks a section</a:t>
+            </a:r>
+          </a:p>
+          <a:p>
+            <a:pPr marL="457200" indent="-457200">
+              <a:buFont typeface="Arial" panose="020B0604020202020204" pitchFamily="34" charset="0"/>
+              <a:buChar char="•"/>
+            </a:pPr>
+            <a:r>
+              <a:rPr lang="en-US"/>
+              <a:t>First week (SO) and second week (MA)</a:t>
+            </a:r>
+          </a:p>
+          <a:p>
+            <a:r>
+              <a:rPr lang="en-US"/>
+              <a:t>Other resources:</a:t>
+            </a:r>
+          </a:p>
+          <a:p>
+            <a:pPr marL="457200" indent="-457200">
+              <a:buFont typeface="Arial" panose="020B0604020202020204" pitchFamily="34" charset="0"/>
+              <a:buChar char="•"/>
+            </a:pPr>
+            <a:r>
+              <a:rPr lang="en-US"/>
+              <a:t>Podcast for each section:</a:t>
+            </a:r>
+            <a:br>
+              <a:rPr lang="en-US"/>
+            </a:br>
+            <a:r>
+              <a:rPr lang="en-US">
+                <a:hlinkClick r:id="rId2"/>
+              </a:rPr>
+              <a:t>https://shows.acast.com/the-soma-podcast/episodes</a:t>
+            </a:r>
+            <a:endParaRPr lang="en-US"/>
+          </a:p>
+          <a:p>
+            <a:pPr marL="457200" indent="-457200">
+              <a:buFont typeface="Arial" panose="020B0604020202020204" pitchFamily="34" charset="0"/>
+              <a:buChar char="•"/>
+            </a:pPr>
+            <a:r>
+              <a:rPr lang="en-US"/>
+              <a:t>Follow up classes: Interest in AI or Original Language?</a:t>
+            </a:r>
+          </a:p>
+        </p:txBody>
+      </p:sp>
+    </p:spTree>
+    <p:extLst>
+      <p:ext uri="{BB962C8B-B14F-4D97-AF65-F5344CB8AC3E}">
+        <p14:creationId xmlns:p14="http://schemas.microsoft.com/office/powerpoint/2010/main" val="4277157688"/>
+      </p:ext>
+    </p:extLst>
+  </p:cSld>
+  <p:clrMapOvr>
+    <a:masterClrMapping/>
+  </p:clrMapOvr>
+</p:sld>
+</file>
+
+<file path=ppt/slides/slide22.xml><?xml version="1.0" encoding="utf-8"?>
+<p:sld xmlns:a="http://schemas.openxmlformats.org/drawingml/2006/main" xmlns:r="http://schemas.openxmlformats.org/officeDocument/2006/relationships" xmlns:p="http://schemas.openxmlformats.org/presentationml/2006/main">
+  <p:cSld>
+    <p:spTree>
+      <p:nvGrpSpPr>
+        <p:cNvPr id="1" name=""/>
+        <p:cNvGrpSpPr/>
+        <p:nvPr/>
+      </p:nvGrpSpPr>
+      <p:grpSpPr>
+        <a:xfrm>
+          <a:off x="0" y="0"/>
+          <a:ext cx="0" cy="0"/>
+          <a:chOff x="0" y="0"/>
+          <a:chExt cx="0" cy="0"/>
+        </a:xfrm>
+      </p:grpSpPr>
+      <p:sp>
+        <p:nvSpPr>
+          <p:cNvPr id="5" name="Title 4">
+            <a:extLst>
+              <a:ext uri="{FF2B5EF4-FFF2-40B4-BE49-F238E27FC236}">
+                <a16:creationId xmlns:a16="http://schemas.microsoft.com/office/drawing/2014/main" id="{02DEB7C3-C1C7-8FAC-6C6C-53B12960BCC4}"/>
+              </a:ext>
+            </a:extLst>
+          </p:cNvPr>
+          <p:cNvSpPr>
+            <a:spLocks noGrp="1"/>
+          </p:cNvSpPr>
+          <p:nvPr>
+            <p:ph type="title"/>
+          </p:nvPr>
+        </p:nvSpPr>
+        <p:spPr/>
+        <p:txBody>
+          <a:bodyPr/>
+          <a:lstStyle/>
+          <a:p>
+            <a:r>
+              <a:rPr lang="en-US"/>
+              <a:t>Closing</a:t>
+            </a:r>
+          </a:p>
+        </p:txBody>
+      </p:sp>
+      <p:sp>
+        <p:nvSpPr>
+          <p:cNvPr id="6" name="Content Placeholder 5">
+            <a:extLst>
+              <a:ext uri="{FF2B5EF4-FFF2-40B4-BE49-F238E27FC236}">
+                <a16:creationId xmlns:a16="http://schemas.microsoft.com/office/drawing/2014/main" id="{A3A977AA-18CE-B79B-25D4-28FE0AB5A3C5}"/>
+              </a:ext>
+            </a:extLst>
+          </p:cNvPr>
+          <p:cNvSpPr>
+            <a:spLocks noGrp="1"/>
+          </p:cNvSpPr>
+          <p:nvPr>
+            <p:ph idx="1"/>
+          </p:nvPr>
+        </p:nvSpPr>
+        <p:spPr/>
+        <p:txBody>
+          <a:bodyPr/>
+          <a:lstStyle/>
+          <a:p>
+            <a:r>
+              <a:rPr lang="en-US" b="1"/>
+              <a:t>Psalm 1:1–2 (ESV)</a:t>
+            </a:r>
+          </a:p>
+          <a:p>
+            <a:r>
+              <a:rPr lang="en-US" i="1"/>
+              <a:t>Blessed is the man who walks not in the counsel of the wicked, nor stands in the way of sinners, nor sits in the seat of scoffers; but his delight is in the law of the LORD, and on his law he meditates day and night.</a:t>
+            </a:r>
+            <a:endParaRPr lang="en-US"/>
+          </a:p>
+          <a:p>
+            <a:endParaRPr lang="en-US" b="1">
+              <a:solidFill>
+                <a:srgbClr val="035757"/>
+              </a:solidFill>
+            </a:endParaRPr>
+          </a:p>
+          <a:p>
+            <a:r>
+              <a:rPr lang="en-US" b="1">
+                <a:solidFill>
+                  <a:srgbClr val="035757"/>
+                </a:solidFill>
+              </a:rPr>
+              <a:t>justin@tellaro.io</a:t>
+            </a:r>
+          </a:p>
+        </p:txBody>
+      </p:sp>
+      <p:pic>
+        <p:nvPicPr>
+          <p:cNvPr id="2050" name="Picture 2" descr="QR Code">
+            <a:extLst>
+              <a:ext uri="{FF2B5EF4-FFF2-40B4-BE49-F238E27FC236}">
+                <a16:creationId xmlns:a16="http://schemas.microsoft.com/office/drawing/2014/main" id="{050BB57C-81BB-FA53-C403-3DD43BEACAB7}"/>
+              </a:ext>
+            </a:extLst>
+          </p:cNvPr>
+          <p:cNvPicPr>
+            <a:picLocks noChangeAspect="1" noChangeArrowheads="1"/>
+          </p:cNvPicPr>
+          <p:nvPr/>
+        </p:nvPicPr>
+        <p:blipFill>
+          <a:blip r:embed="rId3">
+            <a:extLst>
+              <a:ext uri="{28A0092B-C50C-407E-A947-70E740481C1C}">
+                <a14:useLocalDpi xmlns:a14="http://schemas.microsoft.com/office/drawing/2010/main" val="0"/>
+              </a:ext>
+            </a:extLst>
+          </a:blip>
+          <a:srcRect/>
+          <a:stretch>
+            <a:fillRect/>
+          </a:stretch>
+        </p:blipFill>
+        <p:spPr bwMode="auto">
+          <a:xfrm>
+            <a:off x="9144000" y="3553236"/>
+            <a:ext cx="2714625" cy="2714625"/>
+          </a:xfrm>
+          <a:prstGeom prst="rect">
+            <a:avLst/>
+          </a:prstGeom>
+          <a:noFill/>
+          <a:extLst>
+            <a:ext uri="{909E8E84-426E-40DD-AFC4-6F175D3DCCD1}">
+              <a14:hiddenFill xmlns:a14="http://schemas.microsoft.com/office/drawing/2010/main">
+                <a:solidFill>
+                  <a:srgbClr val="FFFFFF"/>
+                </a:solidFill>
+              </a14:hiddenFill>
+            </a:ext>
+          </a:extLst>
+        </p:spPr>
+      </p:pic>
+      <p:cxnSp>
+        <p:nvCxnSpPr>
+          <p:cNvPr id="3" name="Straight Arrow Connector 2">
+            <a:extLst>
+              <a:ext uri="{FF2B5EF4-FFF2-40B4-BE49-F238E27FC236}">
+                <a16:creationId xmlns:a16="http://schemas.microsoft.com/office/drawing/2014/main" id="{065B16B2-A64B-7202-23F9-3D625415939C}"/>
+              </a:ext>
+            </a:extLst>
+          </p:cNvPr>
+          <p:cNvCxnSpPr/>
+          <p:nvPr/>
+        </p:nvCxnSpPr>
+        <p:spPr>
+          <a:xfrm flipV="1">
+            <a:off x="7010400" y="5334000"/>
+            <a:ext cx="1676400" cy="533400"/>
+          </a:xfrm>
+          <a:prstGeom prst="straightConnector1">
+            <a:avLst/>
+          </a:prstGeom>
+          <a:ln w="57150">
+            <a:solidFill>
+              <a:srgbClr val="FF0000"/>
+            </a:solidFill>
+            <a:tailEnd type="triangle"/>
+          </a:ln>
+        </p:spPr>
+        <p:style>
+          <a:lnRef idx="1">
+            <a:schemeClr val="accent2"/>
+          </a:lnRef>
+          <a:fillRef idx="0">
+            <a:schemeClr val="accent2"/>
+          </a:fillRef>
+          <a:effectRef idx="0">
+            <a:schemeClr val="accent2"/>
+          </a:effectRef>
+          <a:fontRef idx="minor">
+            <a:schemeClr val="tx1"/>
+          </a:fontRef>
+        </p:style>
+      </p:cxnSp>
+      <p:sp>
+        <p:nvSpPr>
+          <p:cNvPr id="4" name="TextBox 3">
+            <a:extLst>
+              <a:ext uri="{FF2B5EF4-FFF2-40B4-BE49-F238E27FC236}">
+                <a16:creationId xmlns:a16="http://schemas.microsoft.com/office/drawing/2014/main" id="{7DBBE458-2143-986A-C52F-F041B218400C}"/>
+              </a:ext>
+            </a:extLst>
+          </p:cNvPr>
+          <p:cNvSpPr txBox="1"/>
+          <p:nvPr/>
+        </p:nvSpPr>
+        <p:spPr>
+          <a:xfrm>
+            <a:off x="2057400" y="5482679"/>
+            <a:ext cx="4783455" cy="769441"/>
+          </a:xfrm>
+          <a:prstGeom prst="rect">
+            <a:avLst/>
+          </a:prstGeom>
+          <a:noFill/>
+        </p:spPr>
+        <p:txBody>
+          <a:bodyPr wrap="square" rtlCol="0">
+            <a:spAutoFit/>
+          </a:bodyPr>
+          <a:lstStyle/>
+          <a:p>
+            <a:r>
+              <a:rPr lang="en-US"/>
+              <a:t>Link to presentation</a:t>
+            </a:r>
+          </a:p>
+        </p:txBody>
+      </p:sp>
+    </p:spTree>
+    <p:extLst>
+      <p:ext uri="{BB962C8B-B14F-4D97-AF65-F5344CB8AC3E}">
+        <p14:creationId xmlns:p14="http://schemas.microsoft.com/office/powerpoint/2010/main" val="1483439235"/>
       </p:ext>
     </p:extLst>
   </p:cSld>
@@ -7065,6 +8020,272 @@
 </file>
 
 <file path=ppt/slides/slide8.xml><?xml version="1.0" encoding="utf-8"?>
+<p:sld xmlns:a="http://schemas.openxmlformats.org/drawingml/2006/main" xmlns:r="http://schemas.openxmlformats.org/officeDocument/2006/relationships" xmlns:p="http://schemas.openxmlformats.org/presentationml/2006/main">
+  <p:cSld>
+    <p:spTree>
+      <p:nvGrpSpPr>
+        <p:cNvPr id="1" name=""/>
+        <p:cNvGrpSpPr/>
+        <p:nvPr/>
+      </p:nvGrpSpPr>
+      <p:grpSpPr>
+        <a:xfrm>
+          <a:off x="0" y="0"/>
+          <a:ext cx="0" cy="0"/>
+          <a:chOff x="0" y="0"/>
+          <a:chExt cx="0" cy="0"/>
+        </a:xfrm>
+      </p:grpSpPr>
+      <p:sp>
+        <p:nvSpPr>
+          <p:cNvPr id="5" name="Title 4">
+            <a:extLst>
+              <a:ext uri="{FF2B5EF4-FFF2-40B4-BE49-F238E27FC236}">
+                <a16:creationId xmlns:a16="http://schemas.microsoft.com/office/drawing/2014/main" id="{97EA17BA-4645-0ABF-F512-7526F1A0E080}"/>
+              </a:ext>
+            </a:extLst>
+          </p:cNvPr>
+          <p:cNvSpPr>
+            <a:spLocks noGrp="1"/>
+          </p:cNvSpPr>
+          <p:nvPr>
+            <p:ph type="title"/>
+          </p:nvPr>
+        </p:nvSpPr>
+        <p:spPr/>
+        <p:txBody>
+          <a:bodyPr/>
+          <a:lstStyle/>
+          <a:p>
+            <a:r>
+              <a:rPr lang="en-US"/>
+              <a:t>Studying Together</a:t>
+            </a:r>
+          </a:p>
+        </p:txBody>
+      </p:sp>
+      <p:sp>
+        <p:nvSpPr>
+          <p:cNvPr id="7" name="Text Placeholder 6">
+            <a:extLst>
+              <a:ext uri="{FF2B5EF4-FFF2-40B4-BE49-F238E27FC236}">
+                <a16:creationId xmlns:a16="http://schemas.microsoft.com/office/drawing/2014/main" id="{576AD6DC-C63F-625B-EB79-B3EF01072583}"/>
+              </a:ext>
+            </a:extLst>
+          </p:cNvPr>
+          <p:cNvSpPr>
+            <a:spLocks noGrp="1"/>
+          </p:cNvSpPr>
+          <p:nvPr>
+            <p:ph type="body" idx="1"/>
+          </p:nvPr>
+        </p:nvSpPr>
+        <p:spPr/>
+        <p:txBody>
+          <a:bodyPr/>
+          <a:lstStyle/>
+          <a:p>
+            <a:r>
+              <a:rPr lang="en-US"/>
+              <a:t>Studying alone is good…</a:t>
+            </a:r>
+          </a:p>
+        </p:txBody>
+      </p:sp>
+      <p:sp>
+        <p:nvSpPr>
+          <p:cNvPr id="8" name="Content Placeholder 7">
+            <a:extLst>
+              <a:ext uri="{FF2B5EF4-FFF2-40B4-BE49-F238E27FC236}">
+                <a16:creationId xmlns:a16="http://schemas.microsoft.com/office/drawing/2014/main" id="{B98FD4DD-AD30-8F87-7B85-948B7570F49C}"/>
+              </a:ext>
+            </a:extLst>
+          </p:cNvPr>
+          <p:cNvSpPr>
+            <a:spLocks noGrp="1"/>
+          </p:cNvSpPr>
+          <p:nvPr>
+            <p:ph sz="half" idx="2"/>
+          </p:nvPr>
+        </p:nvSpPr>
+        <p:spPr/>
+        <p:txBody>
+          <a:bodyPr/>
+          <a:lstStyle/>
+          <a:p>
+            <a:pPr marL="457200" indent="-457200">
+              <a:buFont typeface="Arial" panose="020B0604020202020204" pitchFamily="34" charset="0"/>
+              <a:buChar char="•"/>
+            </a:pPr>
+            <a:r>
+              <a:rPr lang="en-US"/>
+              <a:t>Builds personal discipline</a:t>
+            </a:r>
+          </a:p>
+          <a:p>
+            <a:pPr marL="457200" indent="-457200">
+              <a:buFont typeface="Arial" panose="020B0604020202020204" pitchFamily="34" charset="0"/>
+              <a:buChar char="•"/>
+            </a:pPr>
+            <a:r>
+              <a:rPr lang="en-US"/>
+              <a:t>Deepens your individual relationship with God</a:t>
+            </a:r>
+          </a:p>
+          <a:p>
+            <a:pPr marL="457200" indent="-457200">
+              <a:buFont typeface="Arial" panose="020B0604020202020204" pitchFamily="34" charset="0"/>
+              <a:buChar char="•"/>
+            </a:pPr>
+            <a:r>
+              <a:rPr lang="en-US"/>
+              <a:t>Helps you learn to hear God’s voice</a:t>
+            </a:r>
+          </a:p>
+          <a:p>
+            <a:pPr marL="457200" indent="-457200">
+              <a:buFont typeface="Arial" panose="020B0604020202020204" pitchFamily="34" charset="0"/>
+              <a:buChar char="•"/>
+            </a:pPr>
+            <a:r>
+              <a:rPr lang="en-US"/>
+              <a:t>Allows focused, quiet meditation</a:t>
+            </a:r>
+          </a:p>
+        </p:txBody>
+      </p:sp>
+      <p:sp>
+        <p:nvSpPr>
+          <p:cNvPr id="9" name="Text Placeholder 8">
+            <a:extLst>
+              <a:ext uri="{FF2B5EF4-FFF2-40B4-BE49-F238E27FC236}">
+                <a16:creationId xmlns:a16="http://schemas.microsoft.com/office/drawing/2014/main" id="{C833EEE6-E1C2-4B9B-BB9C-86C67D2F0836}"/>
+              </a:ext>
+            </a:extLst>
+          </p:cNvPr>
+          <p:cNvSpPr>
+            <a:spLocks noGrp="1"/>
+          </p:cNvSpPr>
+          <p:nvPr>
+            <p:ph type="body" sz="quarter" idx="3"/>
+          </p:nvPr>
+        </p:nvSpPr>
+        <p:spPr/>
+        <p:txBody>
+          <a:bodyPr/>
+          <a:lstStyle/>
+          <a:p>
+            <a:r>
+              <a:rPr lang="en-US"/>
+              <a:t>…But as a group is powerful</a:t>
+            </a:r>
+          </a:p>
+        </p:txBody>
+      </p:sp>
+      <p:sp>
+        <p:nvSpPr>
+          <p:cNvPr id="10" name="Content Placeholder 9">
+            <a:extLst>
+              <a:ext uri="{FF2B5EF4-FFF2-40B4-BE49-F238E27FC236}">
+                <a16:creationId xmlns:a16="http://schemas.microsoft.com/office/drawing/2014/main" id="{9C34CF6C-1C7E-B17A-A52E-56AF699AECB1}"/>
+              </a:ext>
+            </a:extLst>
+          </p:cNvPr>
+          <p:cNvSpPr>
+            <a:spLocks noGrp="1"/>
+          </p:cNvSpPr>
+          <p:nvPr>
+            <p:ph sz="quarter" idx="4"/>
+          </p:nvPr>
+        </p:nvSpPr>
+        <p:spPr/>
+        <p:txBody>
+          <a:bodyPr/>
+          <a:lstStyle/>
+          <a:p>
+            <a:pPr marL="342900" indent="-342900">
+              <a:buFont typeface="Arial" panose="020B0604020202020204" pitchFamily="34" charset="0"/>
+              <a:buChar char="•"/>
+            </a:pPr>
+            <a:r>
+              <a:rPr lang="en-US" sz="2800"/>
+              <a:t>Others see perspectives, details, and connections you might miss</a:t>
+            </a:r>
+          </a:p>
+          <a:p>
+            <a:pPr marL="342900" indent="-342900">
+              <a:buFont typeface="Arial" panose="020B0604020202020204" pitchFamily="34" charset="0"/>
+              <a:buChar char="•"/>
+            </a:pPr>
+            <a:r>
+              <a:rPr lang="en-US" sz="2800"/>
+              <a:t>Shared insights sharpen your understanding</a:t>
+            </a:r>
+          </a:p>
+          <a:p>
+            <a:pPr marL="342900" indent="-342900">
+              <a:buFont typeface="Arial" panose="020B0604020202020204" pitchFamily="34" charset="0"/>
+              <a:buChar char="•"/>
+            </a:pPr>
+            <a:r>
+              <a:rPr lang="en-US" sz="2800"/>
+              <a:t>Community encourages honest questions</a:t>
+            </a:r>
+          </a:p>
+        </p:txBody>
+      </p:sp>
+      <p:sp>
+        <p:nvSpPr>
+          <p:cNvPr id="11" name="TextBox 10">
+            <a:extLst>
+              <a:ext uri="{FF2B5EF4-FFF2-40B4-BE49-F238E27FC236}">
+                <a16:creationId xmlns:a16="http://schemas.microsoft.com/office/drawing/2014/main" id="{9E384CB4-5765-892F-2576-C43E943D6339}"/>
+              </a:ext>
+            </a:extLst>
+          </p:cNvPr>
+          <p:cNvSpPr txBox="1"/>
+          <p:nvPr/>
+        </p:nvSpPr>
+        <p:spPr>
+          <a:xfrm>
+            <a:off x="609600" y="5377855"/>
+            <a:ext cx="10927080" cy="523220"/>
+          </a:xfrm>
+          <a:prstGeom prst="rect">
+            <a:avLst/>
+          </a:prstGeom>
+          <a:noFill/>
+        </p:spPr>
+        <p:txBody>
+          <a:bodyPr wrap="square" rtlCol="0">
+            <a:spAutoFit/>
+          </a:bodyPr>
+          <a:lstStyle/>
+          <a:p>
+            <a:pPr algn="ctr"/>
+            <a:r>
+              <a:rPr lang="en-US" sz="2800" b="1">
+                <a:latin typeface="+mj-lt"/>
+              </a:rPr>
+              <a:t>Together + Alone = Healthy, Balanced Spiritual Growth</a:t>
+            </a:r>
+          </a:p>
+        </p:txBody>
+      </p:sp>
+    </p:spTree>
+    <p:extLst>
+      <p:ext uri="{BB962C8B-B14F-4D97-AF65-F5344CB8AC3E}">
+        <p14:creationId xmlns:p14="http://schemas.microsoft.com/office/powerpoint/2010/main" val="1957963643"/>
+      </p:ext>
+    </p:extLst>
+  </p:cSld>
+  <p:clrMapOvr>
+    <a:masterClrMapping/>
+  </p:clrMapOvr>
+</p:sld>
+</file>
+
+<file path=ppt/slides/slide9.xml><?xml version="1.0" encoding="utf-8"?>
 <p:sld xmlns:a="http://schemas.openxmlformats.org/drawingml/2006/main" xmlns:r="http://schemas.openxmlformats.org/officeDocument/2006/relationships" xmlns:p="http://schemas.openxmlformats.org/presentationml/2006/main">
   <p:cSld>
     <p:spTree>
@@ -7456,128 +8677,6 @@
     <p:extLst>
       <p:ext uri="{BB962C8B-B14F-4D97-AF65-F5344CB8AC3E}">
         <p14:creationId xmlns:p14="http://schemas.microsoft.com/office/powerpoint/2010/main" val="3995226394"/>
-      </p:ext>
-    </p:extLst>
-  </p:cSld>
-  <p:clrMapOvr>
-    <a:masterClrMapping/>
-  </p:clrMapOvr>
-</p:sld>
-</file>
-
-<file path=ppt/slides/slide9.xml><?xml version="1.0" encoding="utf-8"?>
-<p:sld xmlns:a="http://schemas.openxmlformats.org/drawingml/2006/main" xmlns:r="http://schemas.openxmlformats.org/officeDocument/2006/relationships" xmlns:p="http://schemas.openxmlformats.org/presentationml/2006/main">
-  <p:cSld>
-    <p:spTree>
-      <p:nvGrpSpPr>
-        <p:cNvPr id="1" name=""/>
-        <p:cNvGrpSpPr/>
-        <p:nvPr/>
-      </p:nvGrpSpPr>
-      <p:grpSpPr>
-        <a:xfrm>
-          <a:off x="0" y="0"/>
-          <a:ext cx="0" cy="0"/>
-          <a:chOff x="0" y="0"/>
-          <a:chExt cx="0" cy="0"/>
-        </a:xfrm>
-      </p:grpSpPr>
-      <p:sp>
-        <p:nvSpPr>
-          <p:cNvPr id="5" name="Title 4">
-            <a:extLst>
-              <a:ext uri="{FF2B5EF4-FFF2-40B4-BE49-F238E27FC236}">
-                <a16:creationId xmlns:a16="http://schemas.microsoft.com/office/drawing/2014/main" id="{B395BEAE-5CC8-548B-51A2-5E40703EBE7F}"/>
-              </a:ext>
-            </a:extLst>
-          </p:cNvPr>
-          <p:cNvSpPr>
-            <a:spLocks noGrp="1"/>
-          </p:cNvSpPr>
-          <p:nvPr>
-            <p:ph type="title"/>
-          </p:nvPr>
-        </p:nvSpPr>
-        <p:spPr/>
-        <p:txBody>
-          <a:bodyPr/>
-          <a:lstStyle/>
-          <a:p>
-            <a:r>
-              <a:rPr lang="en-US"/>
-              <a:t>S - Scripture</a:t>
-            </a:r>
-          </a:p>
-        </p:txBody>
-      </p:sp>
-      <p:sp>
-        <p:nvSpPr>
-          <p:cNvPr id="6" name="Content Placeholder 5">
-            <a:extLst>
-              <a:ext uri="{FF2B5EF4-FFF2-40B4-BE49-F238E27FC236}">
-                <a16:creationId xmlns:a16="http://schemas.microsoft.com/office/drawing/2014/main" id="{356AEB36-068B-81BF-D8AB-5455D770688D}"/>
-              </a:ext>
-            </a:extLst>
-          </p:cNvPr>
-          <p:cNvSpPr>
-            <a:spLocks noGrp="1"/>
-          </p:cNvSpPr>
-          <p:nvPr>
-            <p:ph idx="1"/>
-          </p:nvPr>
-        </p:nvSpPr>
-        <p:spPr/>
-        <p:txBody>
-          <a:bodyPr/>
-          <a:lstStyle/>
-          <a:p>
-            <a:r>
-              <a:rPr lang="en-US"/>
-              <a:t>Select a text. </a:t>
-            </a:r>
-            <a:r>
-              <a:rPr lang="en-US" b="1"/>
-              <a:t>Commit to a short section</a:t>
-            </a:r>
-          </a:p>
-          <a:p>
-            <a:pPr marL="457200" indent="-457200">
-              <a:buFont typeface="Arial" panose="020B0604020202020204" pitchFamily="34" charset="0"/>
-              <a:buChar char="•"/>
-            </a:pPr>
-            <a:r>
-              <a:rPr lang="en-US"/>
-              <a:t>For example: Mark 1:1-8</a:t>
-            </a:r>
-          </a:p>
-          <a:p>
-            <a:r>
-              <a:rPr lang="en-US"/>
-              <a:t>Read the selected text at least two times and read for understanding. The goal is not to get through it, but to understand it</a:t>
-            </a:r>
-          </a:p>
-          <a:p>
-            <a:pPr marL="457200" indent="-457200">
-              <a:buFont typeface="Arial" panose="020B0604020202020204" pitchFamily="34" charset="0"/>
-              <a:buChar char="•"/>
-            </a:pPr>
-            <a:r>
-              <a:rPr lang="en-US" sz="2800"/>
-              <a:t>Now read it one more time – as you read, imagine yourself as different characters in the store or as an observer</a:t>
-            </a:r>
-          </a:p>
-          <a:p>
-            <a:r>
-              <a:rPr lang="en-US"/>
-              <a:t>* It can be helpful to read as if you have never read the section before</a:t>
-            </a:r>
-          </a:p>
-        </p:txBody>
-      </p:sp>
-    </p:spTree>
-    <p:extLst>
-      <p:ext uri="{BB962C8B-B14F-4D97-AF65-F5344CB8AC3E}">
-        <p14:creationId xmlns:p14="http://schemas.microsoft.com/office/powerpoint/2010/main" val="811980647"/>
       </p:ext>
     </p:extLst>
   </p:cSld>
